--- a/LMS_60%.pptx
+++ b/LMS_60%.pptx
@@ -5,7 +5,7 @@
     <p:sldMasterId id="2147483659" r:id="rId1"/>
   </p:sldMasterIdLst>
   <p:notesMasterIdLst>
-    <p:notesMasterId r:id="rId18"/>
+    <p:notesMasterId r:id="rId19"/>
   </p:notesMasterIdLst>
   <p:sldIdLst>
     <p:sldId id="273" r:id="rId2"/>
@@ -18,12 +18,13 @@
     <p:sldId id="289" r:id="rId9"/>
     <p:sldId id="290" r:id="rId10"/>
     <p:sldId id="264" r:id="rId11"/>
-    <p:sldId id="265" r:id="rId12"/>
-    <p:sldId id="267" r:id="rId13"/>
-    <p:sldId id="272" r:id="rId14"/>
-    <p:sldId id="270" r:id="rId15"/>
-    <p:sldId id="278" r:id="rId16"/>
+    <p:sldId id="267" r:id="rId12"/>
+    <p:sldId id="272" r:id="rId13"/>
+    <p:sldId id="270" r:id="rId14"/>
+    <p:sldId id="278" r:id="rId15"/>
+    <p:sldId id="291" r:id="rId16"/>
     <p:sldId id="268" r:id="rId17"/>
+    <p:sldId id="269" r:id="rId18"/>
   </p:sldIdLst>
   <p:sldSz cx="9144000" cy="6858000" type="screen4x3"/>
   <p:notesSz cx="6858000" cy="9144000"/>
@@ -16263,110 +16264,6 @@
   <p:cSld>
     <p:spTree>
       <p:nvGrpSpPr>
-        <p:cNvPr id="1" name="Shape 149"/>
-        <p:cNvGrpSpPr/>
-        <p:nvPr/>
-      </p:nvGrpSpPr>
-      <p:grpSpPr>
-        <a:xfrm>
-          <a:off x="0" y="0"/>
-          <a:ext cx="0" cy="0"/>
-          <a:chOff x="0" y="0"/>
-          <a:chExt cx="0" cy="0"/>
-        </a:xfrm>
-      </p:grpSpPr>
-      <p:sp>
-        <p:nvSpPr>
-          <p:cNvPr id="150" name="Google Shape;150;p13:notes"/>
-          <p:cNvSpPr txBox="1">
-            <a:spLocks noGrp="1"/>
-          </p:cNvSpPr>
-          <p:nvPr>
-            <p:ph type="body" idx="1"/>
-          </p:nvPr>
-        </p:nvSpPr>
-        <p:spPr>
-          <a:xfrm>
-            <a:off x="685800" y="4343400"/>
-            <a:ext cx="5486400" cy="4114800"/>
-          </a:xfrm>
-          <a:prstGeom prst="rect">
-            <a:avLst/>
-          </a:prstGeom>
-        </p:spPr>
-        <p:txBody>
-          <a:bodyPr spcFirstLastPara="1" wrap="square" lIns="91425" tIns="91425" rIns="91425" bIns="91425" anchor="t" anchorCtr="0">
-            <a:noAutofit/>
-          </a:bodyPr>
-          <a:lstStyle/>
-          <a:p>
-            <a:pPr marL="0" lvl="0" indent="0" algn="l" rtl="0">
-              <a:spcBef>
-                <a:spcPts val="0"/>
-              </a:spcBef>
-              <a:spcAft>
-                <a:spcPts val="0"/>
-              </a:spcAft>
-              <a:buNone/>
-            </a:pPr>
-            <a:endParaRPr/>
-          </a:p>
-        </p:txBody>
-      </p:sp>
-      <p:sp>
-        <p:nvSpPr>
-          <p:cNvPr id="151" name="Google Shape;151;p13:notes"/>
-          <p:cNvSpPr>
-            <a:spLocks noGrp="1" noRot="1" noChangeAspect="1"/>
-          </p:cNvSpPr>
-          <p:nvPr>
-            <p:ph type="sldImg" idx="2"/>
-          </p:nvPr>
-        </p:nvSpPr>
-        <p:spPr>
-          <a:xfrm>
-            <a:off x="1143000" y="685800"/>
-            <a:ext cx="4572000" cy="3429000"/>
-          </a:xfrm>
-          <a:custGeom>
-            <a:avLst/>
-            <a:gdLst/>
-            <a:ahLst/>
-            <a:cxnLst/>
-            <a:rect l="l" t="t" r="r" b="b"/>
-            <a:pathLst>
-              <a:path w="120000" h="120000" extrusionOk="0">
-                <a:moveTo>
-                  <a:pt x="0" y="0"/>
-                </a:moveTo>
-                <a:lnTo>
-                  <a:pt x="120000" y="0"/>
-                </a:lnTo>
-                <a:lnTo>
-                  <a:pt x="120000" y="120000"/>
-                </a:lnTo>
-                <a:lnTo>
-                  <a:pt x="0" y="120000"/>
-                </a:lnTo>
-                <a:close/>
-              </a:path>
-            </a:pathLst>
-          </a:custGeom>
-        </p:spPr>
-      </p:sp>
-    </p:spTree>
-  </p:cSld>
-  <p:clrMapOvr>
-    <a:masterClrMapping/>
-  </p:clrMapOvr>
-</p:notes>
-</file>
-
-<file path=ppt/notesSlides/notesSlide3.xml><?xml version="1.0" encoding="utf-8"?>
-<p:notes xmlns:a="http://schemas.openxmlformats.org/drawingml/2006/main" xmlns:r="http://schemas.openxmlformats.org/officeDocument/2006/relationships" xmlns:p="http://schemas.openxmlformats.org/presentationml/2006/main" showMasterSp="0" showMasterPhAnim="0">
-  <p:cSld>
-    <p:spTree>
-      <p:nvGrpSpPr>
         <p:cNvPr id="1" name="Shape 163"/>
         <p:cNvGrpSpPr/>
         <p:nvPr/>
@@ -16466,7 +16363,7 @@
 </p:notes>
 </file>
 
-<file path=ppt/notesSlides/notesSlide4.xml><?xml version="1.0" encoding="utf-8"?>
+<file path=ppt/notesSlides/notesSlide3.xml><?xml version="1.0" encoding="utf-8"?>
 <p:notes xmlns:a="http://schemas.openxmlformats.org/drawingml/2006/main" xmlns:r="http://schemas.openxmlformats.org/officeDocument/2006/relationships" xmlns:p="http://schemas.openxmlformats.org/presentationml/2006/main" showMasterSp="0" showMasterPhAnim="0">
   <p:cSld>
     <p:spTree>
@@ -30202,38 +30099,21 @@
           <a:p>
             <a:r>
               <a:rPr lang="en-US" b="1" dirty="0">
-                <a:solidFill>
-                  <a:srgbClr val="7030A0"/>
-                </a:solidFill>
+                <a:ln w="0"/>
+                <a:solidFill>
+                  <a:schemeClr val="accent4"/>
+                </a:solidFill>
+                <a:effectLst>
+                  <a:outerShdw blurRad="38100" dist="19050" dir="2700000" algn="tl" rotWithShape="0">
+                    <a:schemeClr val="dk1">
+                      <a:alpha val="40000"/>
+                    </a:schemeClr>
+                  </a:outerShdw>
+                </a:effectLst>
                 <a:latin typeface="Times New Roman" panose="02020603050405020304" pitchFamily="18" charset="0"/>
                 <a:cs typeface="Times New Roman" panose="02020603050405020304" pitchFamily="18" charset="0"/>
               </a:rPr>
-              <a:t>AI-Assisted </a:t>
-            </a:r>
-            <a:r>
-              <a:rPr lang="en-US" b="1" dirty="0">
-                <a:ln>
-                  <a:solidFill>
-                    <a:srgbClr val="7030A0"/>
-                  </a:solidFill>
-                </a:ln>
-                <a:solidFill>
-                  <a:srgbClr val="7030A0"/>
-                </a:solidFill>
-                <a:latin typeface="Times New Roman" panose="02020603050405020304" pitchFamily="18" charset="0"/>
-                <a:cs typeface="Times New Roman" panose="02020603050405020304" pitchFamily="18" charset="0"/>
-              </a:rPr>
-              <a:t>Learning</a:t>
-            </a:r>
-            <a:r>
-              <a:rPr lang="en-US" b="1" dirty="0">
-                <a:solidFill>
-                  <a:srgbClr val="7030A0"/>
-                </a:solidFill>
-                <a:latin typeface="Times New Roman" panose="02020603050405020304" pitchFamily="18" charset="0"/>
-                <a:cs typeface="Times New Roman" panose="02020603050405020304" pitchFamily="18" charset="0"/>
-              </a:rPr>
-              <a:t> Management System</a:t>
+              <a:t>AI-Assisted Learning Management System</a:t>
             </a:r>
           </a:p>
         </p:txBody>
@@ -30853,7 +30733,7 @@
           <a:p>
             <a:pPr algn="ctr"/>
             <a:r>
-              <a:rPr lang="en-GB" sz="2800" dirty="0">
+              <a:rPr lang="en-GB" sz="2800" b="1" dirty="0">
                 <a:latin typeface="Times New Roman" panose="02020603050405020304" pitchFamily="18" charset="0"/>
                 <a:cs typeface="Times New Roman" panose="02020603050405020304" pitchFamily="18" charset="0"/>
               </a:rPr>
@@ -30995,24 +30875,22 @@
               <a:buNone/>
             </a:pPr>
             <a:r>
-              <a:rPr lang="en-US" sz="4400" b="1" i="0" u="none" strike="noStrike" cap="none">
-                <a:solidFill>
-                  <a:schemeClr val="dk1"/>
-                </a:solidFill>
-                <a:latin typeface="Calibri"/>
-                <a:ea typeface="Calibri"/>
-                <a:cs typeface="Calibri"/>
+              <a:rPr lang="en-US" sz="4400" b="1" i="0" u="none" strike="noStrike" cap="none" dirty="0">
+                <a:solidFill>
+                  <a:schemeClr val="dk1"/>
+                </a:solidFill>
+                <a:latin typeface="Times New Roman" panose="02020603050405020304" pitchFamily="18" charset="0"/>
+                <a:cs typeface="Times New Roman" panose="02020603050405020304" pitchFamily="18" charset="0"/>
                 <a:sym typeface="Calibri"/>
               </a:rPr>
               <a:t>E-R Diagram</a:t>
             </a:r>
-            <a:endParaRPr sz="4400" b="0" i="0" u="none" strike="noStrike" cap="none">
+            <a:endParaRPr sz="4400" b="0" i="0" u="none" strike="noStrike" cap="none" dirty="0">
               <a:solidFill>
                 <a:schemeClr val="dk1"/>
               </a:solidFill>
-              <a:latin typeface="Calibri"/>
-              <a:ea typeface="Calibri"/>
-              <a:cs typeface="Calibri"/>
+              <a:latin typeface="Times New Roman" panose="02020603050405020304" pitchFamily="18" charset="0"/>
+              <a:cs typeface="Times New Roman" panose="02020603050405020304" pitchFamily="18" charset="0"/>
               <a:sym typeface="Calibri"/>
             </a:endParaRPr>
           </a:p>
@@ -31075,227 +30953,86 @@
           </a:p>
         </p:txBody>
       </p:sp>
-    </p:spTree>
-  </p:cSld>
-  <p:clrMapOvr>
-    <a:masterClrMapping/>
-  </p:clrMapOvr>
-</p:sld>
-</file>
-
-<file path=ppt/slides/slide11.xml><?xml version="1.0" encoding="utf-8"?>
-<p:sld xmlns:a="http://schemas.openxmlformats.org/drawingml/2006/main" xmlns:r="http://schemas.openxmlformats.org/officeDocument/2006/relationships" xmlns:p="http://schemas.openxmlformats.org/presentationml/2006/main">
-  <p:cSld>
-    <p:spTree>
-      <p:nvGrpSpPr>
-        <p:cNvPr id="1" name="Shape 152"/>
-        <p:cNvGrpSpPr/>
-        <p:nvPr/>
-      </p:nvGrpSpPr>
-      <p:grpSpPr>
-        <a:xfrm>
-          <a:off x="0" y="0"/>
-          <a:ext cx="0" cy="0"/>
-          <a:chOff x="0" y="0"/>
-          <a:chExt cx="0" cy="0"/>
-        </a:xfrm>
-      </p:grpSpPr>
       <p:sp>
         <p:nvSpPr>
-          <p:cNvPr id="153" name="Google Shape;153;p22"/>
-          <p:cNvSpPr txBox="1">
-            <a:spLocks noGrp="1"/>
-          </p:cNvSpPr>
-          <p:nvPr>
-            <p:ph type="sldNum" idx="12"/>
-          </p:nvPr>
+          <p:cNvPr id="2" name="TextBox 1">
+            <a:extLst>
+              <a:ext uri="{FF2B5EF4-FFF2-40B4-BE49-F238E27FC236}">
+                <a16:creationId xmlns:a16="http://schemas.microsoft.com/office/drawing/2014/main" id="{C00C93CD-490F-8722-3E57-47B42AD5BCE2}"/>
+              </a:ext>
+            </a:extLst>
+          </p:cNvPr>
+          <p:cNvSpPr txBox="1"/>
+          <p:nvPr/>
         </p:nvSpPr>
         <p:spPr>
           <a:xfrm>
-            <a:off x="6553200" y="6356350"/>
-            <a:ext cx="2133600" cy="365125"/>
+            <a:off x="3733799" y="6414716"/>
+            <a:ext cx="3101567" cy="267253"/>
           </a:xfrm>
           <a:prstGeom prst="rect">
             <a:avLst/>
           </a:prstGeom>
           <a:noFill/>
-          <a:ln>
-            <a:noFill/>
-          </a:ln>
         </p:spPr>
         <p:txBody>
-          <a:bodyPr spcFirstLastPara="1" wrap="square" lIns="91425" tIns="45700" rIns="91425" bIns="45700" anchor="ctr" anchorCtr="0">
-            <a:noAutofit/>
+          <a:bodyPr wrap="square">
+            <a:spAutoFit/>
           </a:bodyPr>
           <a:lstStyle/>
           <a:p>
-            <a:pPr marL="0" marR="0" lvl="0" indent="0" algn="r" rtl="0">
-              <a:spcBef>
-                <a:spcPts val="0"/>
-              </a:spcBef>
-              <a:spcAft>
-                <a:spcPts val="0"/>
-              </a:spcAft>
-              <a:buNone/>
-            </a:pPr>
-            <a:fld id="{00000000-1234-1234-1234-123412341234}" type="slidenum">
-              <a:rPr lang="en-US" sz="1200" b="0" i="0" u="none" strike="noStrike" cap="none">
-                <a:solidFill>
-                  <a:srgbClr val="888888"/>
-                </a:solidFill>
-                <a:latin typeface="Calibri"/>
-                <a:ea typeface="Calibri"/>
-                <a:cs typeface="Calibri"/>
-                <a:sym typeface="Calibri"/>
-              </a:rPr>
-              <a:t>11</a:t>
-            </a:fld>
-            <a:endParaRPr sz="1200" b="0" i="0" u="none" strike="noStrike" cap="none">
-              <a:solidFill>
-                <a:srgbClr val="888888"/>
-              </a:solidFill>
-              <a:latin typeface="Calibri"/>
-              <a:ea typeface="Calibri"/>
-              <a:cs typeface="Calibri"/>
-              <a:sym typeface="Calibri"/>
-            </a:endParaRPr>
-          </a:p>
-        </p:txBody>
-      </p:sp>
-      <p:sp>
-        <p:nvSpPr>
-          <p:cNvPr id="154" name="Google Shape;154;p22"/>
-          <p:cNvSpPr txBox="1">
-            <a:spLocks noGrp="1"/>
-          </p:cNvSpPr>
-          <p:nvPr>
-            <p:ph type="title"/>
-          </p:nvPr>
-        </p:nvSpPr>
-        <p:spPr>
-          <a:xfrm>
-            <a:off x="443309" y="492195"/>
-            <a:ext cx="8243491" cy="769441"/>
-          </a:xfrm>
-          <a:prstGeom prst="rect">
-            <a:avLst/>
-          </a:prstGeom>
-          <a:noFill/>
-          <a:ln>
-            <a:noFill/>
-          </a:ln>
-        </p:spPr>
-        <p:txBody>
-          <a:bodyPr spcFirstLastPara="1" wrap="square" lIns="91425" tIns="45700" rIns="91425" bIns="45700" anchor="ctr" anchorCtr="0">
-            <a:noAutofit/>
-          </a:bodyPr>
-          <a:lstStyle/>
-          <a:p>
-            <a:pPr marL="0" marR="0" lvl="0" indent="0" algn="ctr" rtl="0">
+            <a:pPr>
               <a:lnSpc>
-                <a:spcPct val="100000"/>
+                <a:spcPct val="107000"/>
               </a:lnSpc>
               <a:spcBef>
-                <a:spcPts val="0"/>
-              </a:spcBef>
-              <a:spcAft>
-                <a:spcPts val="0"/>
-              </a:spcAft>
-              <a:buClr>
-                <a:schemeClr val="dk1"/>
-              </a:buClr>
-              <a:buFont typeface="Calibri"/>
-              <a:buNone/>
+                <a:spcPts val="800"/>
+              </a:spcBef>
+              <a:spcAft>
+                <a:spcPts val="400"/>
+              </a:spcAft>
             </a:pPr>
             <a:r>
-              <a:rPr lang="en-US" sz="4400" b="1" i="0" u="none" strike="noStrike" cap="none">
-                <a:solidFill>
-                  <a:schemeClr val="dk1"/>
-                </a:solidFill>
-                <a:latin typeface="Calibri"/>
-                <a:ea typeface="Calibri"/>
-                <a:cs typeface="Calibri"/>
-                <a:sym typeface="Calibri"/>
+              <a:rPr lang="en-US" sz="1100" i="1" kern="100" dirty="0">
+                <a:solidFill>
+                  <a:srgbClr val="0F4761"/>
+                </a:solidFill>
+                <a:latin typeface="Aptos" panose="020B0004020202020204" pitchFamily="34" charset="0"/>
+                <a:ea typeface="Times New Roman" panose="02020603050405020304" pitchFamily="18" charset="0"/>
+                <a:cs typeface="Times New Roman" panose="02020603050405020304" pitchFamily="18" charset="0"/>
               </a:rPr>
-              <a:t>DFD </a:t>
+              <a:t>Figure 1.3: ER Diagram (Tool: </a:t>
             </a:r>
             <a:r>
-              <a:rPr lang="en-US" sz="3200" b="1" i="0" u="none" strike="noStrike" cap="none">
-                <a:solidFill>
-                  <a:schemeClr val="dk1"/>
-                </a:solidFill>
-                <a:latin typeface="Calibri"/>
-                <a:ea typeface="Calibri"/>
-                <a:cs typeface="Calibri"/>
-                <a:sym typeface="Calibri"/>
+              <a:rPr lang="en-US" sz="1100" i="1" kern="100" dirty="0" err="1">
+                <a:solidFill>
+                  <a:srgbClr val="0F4761"/>
+                </a:solidFill>
+                <a:latin typeface="Aptos" panose="020B0004020202020204" pitchFamily="34" charset="0"/>
+                <a:ea typeface="Times New Roman" panose="02020603050405020304" pitchFamily="18" charset="0"/>
+                <a:cs typeface="Times New Roman" panose="02020603050405020304" pitchFamily="18" charset="0"/>
               </a:rPr>
-              <a:t>(Structural Approach)</a:t>
+              <a:t>Drawio</a:t>
             </a:r>
-            <a:endParaRPr sz="4400" b="0" i="0" u="none" strike="noStrike" cap="none">
+            <a:r>
+              <a:rPr lang="en-US" sz="1100" i="1" kern="100" dirty="0">
+                <a:solidFill>
+                  <a:srgbClr val="0F4761"/>
+                </a:solidFill>
+                <a:latin typeface="Aptos" panose="020B0004020202020204" pitchFamily="34" charset="0"/>
+                <a:ea typeface="Times New Roman" panose="02020603050405020304" pitchFamily="18" charset="0"/>
+                <a:cs typeface="Times New Roman" panose="02020603050405020304" pitchFamily="18" charset="0"/>
+              </a:rPr>
+              <a:t>)</a:t>
+            </a:r>
+            <a:endParaRPr lang="en-US" sz="1100" i="1" kern="100" dirty="0">
               <a:solidFill>
-                <a:schemeClr val="dk1"/>
+                <a:srgbClr val="0F4761"/>
               </a:solidFill>
-              <a:latin typeface="Calibri"/>
-              <a:ea typeface="Calibri"/>
-              <a:cs typeface="Calibri"/>
-              <a:sym typeface="Calibri"/>
-            </a:endParaRPr>
-          </a:p>
-        </p:txBody>
-      </p:sp>
-      <p:sp>
-        <p:nvSpPr>
-          <p:cNvPr id="155" name="Google Shape;155;p22"/>
-          <p:cNvSpPr txBox="1">
-            <a:spLocks noGrp="1"/>
-          </p:cNvSpPr>
-          <p:nvPr>
-            <p:ph type="body" idx="1"/>
-          </p:nvPr>
-        </p:nvSpPr>
-        <p:spPr>
-          <a:xfrm>
-            <a:off x="328789" y="1524000"/>
-            <a:ext cx="8358011" cy="523220"/>
-          </a:xfrm>
-          <a:prstGeom prst="rect">
-            <a:avLst/>
-          </a:prstGeom>
-          <a:noFill/>
-          <a:ln>
-            <a:noFill/>
-          </a:ln>
-        </p:spPr>
-        <p:txBody>
-          <a:bodyPr spcFirstLastPara="1" wrap="square" lIns="91425" tIns="45700" rIns="91425" bIns="45700" anchor="ctr" anchorCtr="0">
-            <a:noAutofit/>
-          </a:bodyPr>
-          <a:lstStyle/>
-          <a:p>
-            <a:pPr marL="342900" marR="0" lvl="0" indent="-342900" algn="l" rtl="0">
-              <a:lnSpc>
-                <a:spcPct val="100000"/>
-              </a:lnSpc>
-              <a:spcBef>
-                <a:spcPts val="0"/>
-              </a:spcBef>
-              <a:spcAft>
-                <a:spcPts val="0"/>
-              </a:spcAft>
-              <a:buClr>
-                <a:schemeClr val="dk1"/>
-              </a:buClr>
-              <a:buFont typeface="Arial"/>
-              <a:buNone/>
-            </a:pPr>
-            <a:endParaRPr sz="2800" b="0" i="0" u="none" strike="noStrike" cap="none">
-              <a:solidFill>
-                <a:schemeClr val="dk1"/>
-              </a:solidFill>
-              <a:latin typeface="Calibri"/>
-              <a:ea typeface="Calibri"/>
-              <a:cs typeface="Calibri"/>
-              <a:sym typeface="Calibri"/>
+              <a:effectLst/>
+              <a:latin typeface="Aptos" panose="020B0004020202020204" pitchFamily="34" charset="0"/>
+              <a:ea typeface="Times New Roman" panose="02020603050405020304" pitchFamily="18" charset="0"/>
+              <a:cs typeface="Times New Roman" panose="02020603050405020304" pitchFamily="18" charset="0"/>
             </a:endParaRPr>
           </a:p>
         </p:txBody>
@@ -31308,7 +31045,7 @@
 </p:sld>
 </file>
 
-<file path=ppt/slides/slide12.xml><?xml version="1.0" encoding="utf-8"?>
+<file path=ppt/slides/slide11.xml><?xml version="1.0" encoding="utf-8"?>
 <p:sld xmlns:a="http://schemas.openxmlformats.org/drawingml/2006/main" xmlns:r="http://schemas.openxmlformats.org/officeDocument/2006/relationships" xmlns:p="http://schemas.openxmlformats.org/presentationml/2006/main">
   <p:cSld>
     <p:spTree>
@@ -31373,7 +31110,7 @@
                 <a:cs typeface="Calibri"/>
                 <a:sym typeface="Calibri"/>
               </a:rPr>
-              <a:t>12</a:t>
+              <a:t>11</a:t>
             </a:fld>
             <a:endParaRPr sz="1200" b="0" i="0" u="none" strike="noStrike" cap="none">
               <a:solidFill>
@@ -31433,24 +31170,22 @@
               <a:buNone/>
             </a:pPr>
             <a:r>
-              <a:rPr lang="en-US" sz="4400" b="1" i="0" u="none" strike="noStrike" cap="none">
-                <a:solidFill>
-                  <a:schemeClr val="dk1"/>
-                </a:solidFill>
-                <a:latin typeface="Calibri"/>
-                <a:ea typeface="Calibri"/>
-                <a:cs typeface="Calibri"/>
+              <a:rPr lang="en-US" sz="4400" b="1" i="0" u="none" strike="noStrike" cap="none" dirty="0">
+                <a:solidFill>
+                  <a:schemeClr val="dk1"/>
+                </a:solidFill>
+                <a:latin typeface="Times New Roman" panose="02020603050405020304" pitchFamily="18" charset="0"/>
+                <a:cs typeface="Times New Roman" panose="02020603050405020304" pitchFamily="18" charset="0"/>
                 <a:sym typeface="Calibri"/>
               </a:rPr>
               <a:t>System Block Diagram</a:t>
             </a:r>
-            <a:endParaRPr sz="4400" b="0" i="0" u="none" strike="noStrike" cap="none">
+            <a:endParaRPr sz="4400" b="0" i="0" u="none" strike="noStrike" cap="none" dirty="0">
               <a:solidFill>
                 <a:schemeClr val="dk1"/>
               </a:solidFill>
-              <a:latin typeface="Calibri"/>
-              <a:ea typeface="Calibri"/>
-              <a:cs typeface="Calibri"/>
+              <a:latin typeface="Times New Roman" panose="02020603050405020304" pitchFamily="18" charset="0"/>
+              <a:cs typeface="Times New Roman" panose="02020603050405020304" pitchFamily="18" charset="0"/>
               <a:sym typeface="Calibri"/>
             </a:endParaRPr>
           </a:p>
@@ -31458,106 +31193,93 @@
       </p:sp>
       <p:sp>
         <p:nvSpPr>
-          <p:cNvPr id="169" name="Google Shape;169;p24"/>
-          <p:cNvSpPr txBox="1">
-            <a:spLocks noGrp="1"/>
-          </p:cNvSpPr>
-          <p:nvPr>
-            <p:ph type="body" idx="1"/>
-          </p:nvPr>
+          <p:cNvPr id="2" name="TextBox 1">
+            <a:extLst>
+              <a:ext uri="{FF2B5EF4-FFF2-40B4-BE49-F238E27FC236}">
+                <a16:creationId xmlns:a16="http://schemas.microsoft.com/office/drawing/2014/main" id="{8CAA2389-4F36-AB86-AD2B-E7B0A13CFBC2}"/>
+              </a:ext>
+            </a:extLst>
+          </p:cNvPr>
+          <p:cNvSpPr txBox="1"/>
+          <p:nvPr/>
         </p:nvSpPr>
         <p:spPr>
           <a:xfrm>
-            <a:off x="328789" y="1524000"/>
-            <a:ext cx="8358011" cy="523220"/>
+            <a:off x="2687558" y="6312302"/>
+            <a:ext cx="3768883" cy="267253"/>
           </a:xfrm>
           <a:prstGeom prst="rect">
             <a:avLst/>
           </a:prstGeom>
           <a:noFill/>
-          <a:ln>
-            <a:noFill/>
-          </a:ln>
         </p:spPr>
         <p:txBody>
-          <a:bodyPr spcFirstLastPara="1" wrap="square" lIns="91425" tIns="45700" rIns="91425" bIns="45700" anchor="ctr" anchorCtr="0">
-            <a:noAutofit/>
+          <a:bodyPr wrap="square">
+            <a:spAutoFit/>
           </a:bodyPr>
           <a:lstStyle/>
           <a:p>
-            <a:pPr marL="342900" marR="0" lvl="0" indent="-342900" algn="l" rtl="0">
+            <a:pPr>
               <a:lnSpc>
-                <a:spcPct val="100000"/>
+                <a:spcPct val="107000"/>
               </a:lnSpc>
               <a:spcBef>
-                <a:spcPts val="0"/>
-              </a:spcBef>
-              <a:spcAft>
-                <a:spcPts val="0"/>
-              </a:spcAft>
-              <a:buClr>
-                <a:schemeClr val="dk1"/>
-              </a:buClr>
-              <a:buFont typeface="Arial"/>
-              <a:buNone/>
+                <a:spcPts val="800"/>
+              </a:spcBef>
+              <a:spcAft>
+                <a:spcPts val="400"/>
+              </a:spcAft>
             </a:pPr>
-            <a:endParaRPr sz="2800" b="0" i="0" u="none" strike="noStrike" cap="none">
+            <a:r>
+              <a:rPr lang="en-US" sz="1100" i="1" kern="100" dirty="0">
+                <a:solidFill>
+                  <a:srgbClr val="0F4761"/>
+                </a:solidFill>
+                <a:latin typeface="Aptos" panose="020B0004020202020204" pitchFamily="34" charset="0"/>
+                <a:ea typeface="Times New Roman" panose="02020603050405020304" pitchFamily="18" charset="0"/>
+                <a:cs typeface="Times New Roman" panose="02020603050405020304" pitchFamily="18" charset="0"/>
+              </a:rPr>
+              <a:t>Figure 1.4: System Block Diagram (Tool: Visual Paradigm)</a:t>
+            </a:r>
+            <a:endParaRPr lang="en-US" sz="1100" i="1" kern="100" dirty="0">
               <a:solidFill>
-                <a:schemeClr val="dk1"/>
+                <a:srgbClr val="0F4761"/>
               </a:solidFill>
-              <a:latin typeface="Calibri"/>
-              <a:ea typeface="Calibri"/>
-              <a:cs typeface="Calibri"/>
-              <a:sym typeface="Calibri"/>
+              <a:effectLst/>
+              <a:latin typeface="Aptos" panose="020B0004020202020204" pitchFamily="34" charset="0"/>
+              <a:ea typeface="Times New Roman" panose="02020603050405020304" pitchFamily="18" charset="0"/>
+              <a:cs typeface="Times New Roman" panose="02020603050405020304" pitchFamily="18" charset="0"/>
             </a:endParaRPr>
           </a:p>
         </p:txBody>
       </p:sp>
       <p:pic>
         <p:nvPicPr>
-          <p:cNvPr id="1026" name="Picture 2" descr="System Block Diagrams">
+          <p:cNvPr id="6" name="Picture 5" descr="A screenshot of a computer&#10;&#10;AI-generated content may be incorrect.">
             <a:extLst>
               <a:ext uri="{FF2B5EF4-FFF2-40B4-BE49-F238E27FC236}">
-                <a16:creationId xmlns:a16="http://schemas.microsoft.com/office/drawing/2014/main" id="{B6A68C7C-66A3-07F2-EF10-C25E6F9E87FC}"/>
+                <a16:creationId xmlns:a16="http://schemas.microsoft.com/office/drawing/2014/main" id="{28EA667F-892A-B67B-1FCE-75842A863512}"/>
               </a:ext>
             </a:extLst>
           </p:cNvPr>
           <p:cNvPicPr>
-            <a:picLocks noChangeAspect="1" noChangeArrowheads="1"/>
+            <a:picLocks noChangeAspect="1"/>
           </p:cNvPicPr>
           <p:nvPr/>
         </p:nvPicPr>
         <p:blipFill>
-          <a:blip r:embed="rId3">
-            <a:extLst>
-              <a:ext uri="{28A0092B-C50C-407E-A947-70E740481C1C}">
-                <a14:useLocalDpi xmlns:a14="http://schemas.microsoft.com/office/drawing/2010/main" val="0"/>
-              </a:ext>
-            </a:extLst>
-          </a:blip>
-          <a:srcRect/>
-          <a:stretch>
-            <a:fillRect/>
-          </a:stretch>
+          <a:blip r:embed="rId3"/>
+          <a:srcRect r="9848"/>
+          <a:stretch/>
         </p:blipFill>
-        <p:spPr bwMode="auto">
+        <p:spPr>
           <a:xfrm>
-            <a:off x="2883815" y="1593409"/>
-            <a:ext cx="2803287" cy="4259655"/>
+            <a:off x="443308" y="1634489"/>
+            <a:ext cx="8243491" cy="4300073"/>
           </a:xfrm>
           <a:prstGeom prst="rect">
             <a:avLst/>
           </a:prstGeom>
-          <a:noFill/>
-          <a:extLst>
-            <a:ext uri="{909E8E84-426E-40DD-AFC4-6F175D3DCCD1}">
-              <a14:hiddenFill xmlns:a14="http://schemas.microsoft.com/office/drawing/2010/main">
-                <a:solidFill>
-                  <a:srgbClr val="FFFFFF"/>
-                </a:solidFill>
-              </a14:hiddenFill>
-            </a:ext>
-          </a:extLst>
         </p:spPr>
       </p:pic>
     </p:spTree>
@@ -31568,7 +31290,7 @@
 </p:sld>
 </file>
 
-<file path=ppt/slides/slide13.xml><?xml version="1.0" encoding="utf-8"?>
+<file path=ppt/slides/slide12.xml><?xml version="1.0" encoding="utf-8"?>
 <p:sld xmlns:a="http://schemas.openxmlformats.org/drawingml/2006/main" xmlns:r="http://schemas.openxmlformats.org/officeDocument/2006/relationships" xmlns:p="http://schemas.openxmlformats.org/presentationml/2006/main">
   <p:cSld>
     <p:spTree>
@@ -31633,7 +31355,7 @@
                 <a:cs typeface="Calibri"/>
                 <a:sym typeface="Calibri"/>
               </a:rPr>
-              <a:t>13</a:t>
+              <a:t>12</a:t>
             </a:fld>
             <a:endParaRPr sz="1200" b="0" i="0" u="none" strike="noStrike" cap="none">
               <a:solidFill>
@@ -31660,7 +31382,7 @@
         <p:spPr>
           <a:xfrm>
             <a:off x="443309" y="584527"/>
-            <a:ext cx="8167291" cy="584775"/>
+            <a:ext cx="8167291" cy="1352915"/>
           </a:xfrm>
           <a:prstGeom prst="rect">
             <a:avLst/>
@@ -31693,95 +31415,40 @@
               <a:buNone/>
             </a:pPr>
             <a:r>
-              <a:rPr lang="en-US" sz="3200" b="1" i="0" u="none" strike="noStrike" cap="none" dirty="0">
-                <a:solidFill>
-                  <a:schemeClr val="dk1"/>
-                </a:solidFill>
-                <a:latin typeface="Calibri"/>
-                <a:ea typeface="Calibri"/>
-                <a:cs typeface="Calibri"/>
+              <a:rPr lang="en-US" b="1" i="0" u="none" strike="noStrike" cap="none" dirty="0">
+                <a:solidFill>
+                  <a:schemeClr val="dk1"/>
+                </a:solidFill>
+                <a:latin typeface="Times New Roman" panose="02020603050405020304" pitchFamily="18" charset="0"/>
+                <a:cs typeface="Times New Roman" panose="02020603050405020304" pitchFamily="18" charset="0"/>
                 <a:sym typeface="Calibri"/>
               </a:rPr>
-              <a:t>Summary of 3</a:t>
+              <a:t>Summary of 6</a:t>
             </a:r>
             <a:r>
-              <a:rPr lang="en-US" sz="3200" b="1" dirty="0"/>
+              <a:rPr lang="en-US" b="1" dirty="0">
+                <a:latin typeface="Times New Roman" panose="02020603050405020304" pitchFamily="18" charset="0"/>
+                <a:cs typeface="Times New Roman" panose="02020603050405020304" pitchFamily="18" charset="0"/>
+              </a:rPr>
               <a:t>0</a:t>
             </a:r>
             <a:r>
-              <a:rPr lang="en-US" sz="3200" b="1" i="0" u="none" strike="noStrike" cap="none" dirty="0">
-                <a:solidFill>
-                  <a:schemeClr val="dk1"/>
-                </a:solidFill>
-                <a:latin typeface="Calibri"/>
-                <a:ea typeface="Calibri"/>
-                <a:cs typeface="Calibri"/>
+              <a:rPr lang="en-US" b="1" i="0" u="none" strike="noStrike" cap="none" dirty="0">
+                <a:solidFill>
+                  <a:schemeClr val="dk1"/>
+                </a:solidFill>
+                <a:latin typeface="Times New Roman" panose="02020603050405020304" pitchFamily="18" charset="0"/>
+                <a:cs typeface="Times New Roman" panose="02020603050405020304" pitchFamily="18" charset="0"/>
                 <a:sym typeface="Calibri"/>
               </a:rPr>
               <a:t>% Project Implementation</a:t>
             </a:r>
-            <a:endParaRPr sz="3200" b="0" i="0" u="none" strike="noStrike" cap="none" dirty="0">
+            <a:endParaRPr b="1" i="0" u="none" strike="noStrike" cap="none" dirty="0">
               <a:solidFill>
                 <a:schemeClr val="dk1"/>
               </a:solidFill>
-              <a:latin typeface="Calibri"/>
-              <a:ea typeface="Calibri"/>
-              <a:cs typeface="Calibri"/>
-              <a:sym typeface="Calibri"/>
-            </a:endParaRPr>
-          </a:p>
-        </p:txBody>
-      </p:sp>
-      <p:sp>
-        <p:nvSpPr>
-          <p:cNvPr id="203" name="Google Shape;203;p29"/>
-          <p:cNvSpPr txBox="1">
-            <a:spLocks noGrp="1"/>
-          </p:cNvSpPr>
-          <p:nvPr>
-            <p:ph type="body" idx="1"/>
-          </p:nvPr>
-        </p:nvSpPr>
-        <p:spPr>
-          <a:xfrm>
-            <a:off x="189089" y="1550855"/>
-            <a:ext cx="8511609" cy="523220"/>
-          </a:xfrm>
-          <a:prstGeom prst="rect">
-            <a:avLst/>
-          </a:prstGeom>
-          <a:noFill/>
-          <a:ln>
-            <a:noFill/>
-          </a:ln>
-        </p:spPr>
-        <p:txBody>
-          <a:bodyPr spcFirstLastPara="1" wrap="square" lIns="91425" tIns="45700" rIns="91425" bIns="45700" anchor="ctr" anchorCtr="0">
-            <a:noAutofit/>
-          </a:bodyPr>
-          <a:lstStyle/>
-          <a:p>
-            <a:pPr marL="342900" marR="0" lvl="0" indent="-165100" algn="l" rtl="0">
-              <a:spcBef>
-                <a:spcPts val="0"/>
-              </a:spcBef>
-              <a:spcAft>
-                <a:spcPts val="0"/>
-              </a:spcAft>
-              <a:buClr>
-                <a:schemeClr val="dk1"/>
-              </a:buClr>
-              <a:buSzPts val="2800"/>
-              <a:buFont typeface="Arial"/>
-              <a:buNone/>
-            </a:pPr>
-            <a:endParaRPr sz="2800" b="0" i="0" u="none" strike="noStrike" cap="none">
-              <a:solidFill>
-                <a:schemeClr val="dk1"/>
-              </a:solidFill>
-              <a:latin typeface="Calibri"/>
-              <a:ea typeface="Calibri"/>
-              <a:cs typeface="Calibri"/>
+              <a:latin typeface="Times New Roman" panose="02020603050405020304" pitchFamily="18" charset="0"/>
+              <a:cs typeface="Times New Roman" panose="02020603050405020304" pitchFamily="18" charset="0"/>
               <a:sym typeface="Calibri"/>
             </a:endParaRPr>
           </a:p>
@@ -31795,7 +31462,7 @@
 </p:sld>
 </file>
 
-<file path=ppt/slides/slide14.xml><?xml version="1.0" encoding="utf-8"?>
+<file path=ppt/slides/slide13.xml><?xml version="1.0" encoding="utf-8"?>
 <p:sld xmlns:a="http://schemas.openxmlformats.org/drawingml/2006/main" xmlns:r="http://schemas.openxmlformats.org/officeDocument/2006/relationships" xmlns:p="http://schemas.openxmlformats.org/presentationml/2006/main">
   <p:cSld>
     <p:spTree>
@@ -31828,21 +31495,21 @@
           <a:lstStyle/>
           <a:p>
             <a:r>
-              <a:rPr lang="en-US" dirty="0">
+              <a:rPr lang="en-US" b="1" dirty="0">
                 <a:latin typeface="Times New Roman" panose="02020603050405020304" pitchFamily="18" charset="0"/>
                 <a:cs typeface="Times New Roman" panose="02020603050405020304" pitchFamily="18" charset="0"/>
               </a:rPr>
               <a:t>Details of 1</a:t>
             </a:r>
             <a:r>
-              <a:rPr lang="en-US" baseline="30000" dirty="0">
+              <a:rPr lang="en-US" b="1" baseline="30000" dirty="0">
                 <a:latin typeface="Times New Roman" panose="02020603050405020304" pitchFamily="18" charset="0"/>
                 <a:cs typeface="Times New Roman" panose="02020603050405020304" pitchFamily="18" charset="0"/>
               </a:rPr>
               <a:t>st</a:t>
             </a:r>
             <a:r>
-              <a:rPr lang="en-US" dirty="0">
+              <a:rPr lang="en-US" b="1" dirty="0">
                 <a:latin typeface="Times New Roman" panose="02020603050405020304" pitchFamily="18" charset="0"/>
                 <a:cs typeface="Times New Roman" panose="02020603050405020304" pitchFamily="18" charset="0"/>
               </a:rPr>
@@ -31872,7 +31539,7 @@
                 <a:cs typeface="Times New Roman" panose="02020603050405020304" pitchFamily="18" charset="0"/>
               </a:rPr>
               <a:pPr/>
-              <a:t>14</a:t>
+              <a:t>13</a:t>
             </a:fld>
             <a:endParaRPr lang="en-US">
               <a:latin typeface="Times New Roman" panose="02020603050405020304" pitchFamily="18" charset="0"/>
@@ -32058,7 +31725,7 @@
 </p:sld>
 </file>
 
-<file path=ppt/slides/slide15.xml><?xml version="1.0" encoding="utf-8"?>
+<file path=ppt/slides/slide14.xml><?xml version="1.0" encoding="utf-8"?>
 <p:sld xmlns:a="http://schemas.openxmlformats.org/drawingml/2006/main" xmlns:r="http://schemas.openxmlformats.org/officeDocument/2006/relationships" xmlns:p="http://schemas.openxmlformats.org/presentationml/2006/main">
   <p:cSld>
     <p:spTree>
@@ -32091,21 +31758,21 @@
           <a:lstStyle/>
           <a:p>
             <a:r>
-              <a:rPr lang="en-US" dirty="0">
+              <a:rPr lang="en-US" b="1" dirty="0">
                 <a:latin typeface="Times New Roman" panose="02020603050405020304" pitchFamily="18" charset="0"/>
                 <a:cs typeface="Times New Roman" panose="02020603050405020304" pitchFamily="18" charset="0"/>
               </a:rPr>
               <a:t>Details of 2</a:t>
             </a:r>
             <a:r>
-              <a:rPr lang="en-US" baseline="30000" dirty="0">
+              <a:rPr lang="en-US" b="1" baseline="30000" dirty="0">
                 <a:latin typeface="Times New Roman" panose="02020603050405020304" pitchFamily="18" charset="0"/>
                 <a:cs typeface="Times New Roman" panose="02020603050405020304" pitchFamily="18" charset="0"/>
               </a:rPr>
               <a:t>nd</a:t>
             </a:r>
             <a:r>
-              <a:rPr lang="en-US" dirty="0">
+              <a:rPr lang="en-US" b="1" dirty="0">
                 <a:latin typeface="Times New Roman" panose="02020603050405020304" pitchFamily="18" charset="0"/>
                 <a:cs typeface="Times New Roman" panose="02020603050405020304" pitchFamily="18" charset="0"/>
               </a:rPr>
@@ -32135,7 +31802,7 @@
                 <a:cs typeface="Times New Roman" panose="02020603050405020304" pitchFamily="18" charset="0"/>
               </a:rPr>
               <a:pPr/>
-              <a:t>15</a:t>
+              <a:t>14</a:t>
             </a:fld>
             <a:endParaRPr lang="en-US">
               <a:latin typeface="Times New Roman" panose="02020603050405020304" pitchFamily="18" charset="0"/>
@@ -32185,6 +31852,145 @@
 </p:sld>
 </file>
 
+<file path=ppt/slides/slide15.xml><?xml version="1.0" encoding="utf-8"?>
+<p:sld xmlns:a="http://schemas.openxmlformats.org/drawingml/2006/main" xmlns:r="http://schemas.openxmlformats.org/officeDocument/2006/relationships" xmlns:p="http://schemas.openxmlformats.org/presentationml/2006/main">
+  <p:cSld>
+    <p:spTree>
+      <p:nvGrpSpPr>
+        <p:cNvPr id="1" name=""/>
+        <p:cNvGrpSpPr/>
+        <p:nvPr/>
+      </p:nvGrpSpPr>
+      <p:grpSpPr>
+        <a:xfrm>
+          <a:off x="0" y="0"/>
+          <a:ext cx="0" cy="0"/>
+          <a:chOff x="0" y="0"/>
+          <a:chExt cx="0" cy="0"/>
+        </a:xfrm>
+      </p:grpSpPr>
+      <p:sp>
+        <p:nvSpPr>
+          <p:cNvPr id="2" name="Title 1">
+            <a:extLst>
+              <a:ext uri="{FF2B5EF4-FFF2-40B4-BE49-F238E27FC236}">
+                <a16:creationId xmlns:a16="http://schemas.microsoft.com/office/drawing/2014/main" id="{76590B58-E395-5CFC-D8E9-13C4FE068480}"/>
+              </a:ext>
+            </a:extLst>
+          </p:cNvPr>
+          <p:cNvSpPr>
+            <a:spLocks noGrp="1"/>
+          </p:cNvSpPr>
+          <p:nvPr>
+            <p:ph type="title"/>
+          </p:nvPr>
+        </p:nvSpPr>
+        <p:spPr/>
+        <p:txBody>
+          <a:bodyPr/>
+          <a:lstStyle/>
+          <a:p>
+            <a:r>
+              <a:rPr lang="en-US" b="1" dirty="0">
+                <a:latin typeface="Times New Roman" panose="02020603050405020304" pitchFamily="18" charset="0"/>
+                <a:cs typeface="Times New Roman" panose="02020603050405020304" pitchFamily="18" charset="0"/>
+              </a:rPr>
+              <a:t>Details of 3</a:t>
+            </a:r>
+            <a:r>
+              <a:rPr lang="en-US" b="1" baseline="30000" dirty="0">
+                <a:latin typeface="Times New Roman" panose="02020603050405020304" pitchFamily="18" charset="0"/>
+                <a:cs typeface="Times New Roman" panose="02020603050405020304" pitchFamily="18" charset="0"/>
+              </a:rPr>
+              <a:t>rd</a:t>
+            </a:r>
+            <a:r>
+              <a:rPr lang="en-US" b="1" dirty="0">
+                <a:latin typeface="Times New Roman" panose="02020603050405020304" pitchFamily="18" charset="0"/>
+                <a:cs typeface="Times New Roman" panose="02020603050405020304" pitchFamily="18" charset="0"/>
+              </a:rPr>
+              <a:t> Iteration (100%)</a:t>
+            </a:r>
+            <a:endParaRPr lang="en-US" dirty="0"/>
+          </a:p>
+        </p:txBody>
+      </p:sp>
+      <p:sp>
+        <p:nvSpPr>
+          <p:cNvPr id="3" name="Text Placeholder 2">
+            <a:extLst>
+              <a:ext uri="{FF2B5EF4-FFF2-40B4-BE49-F238E27FC236}">
+                <a16:creationId xmlns:a16="http://schemas.microsoft.com/office/drawing/2014/main" id="{AE82CAB1-EDA3-9EEC-DBE3-76AB81DD0083}"/>
+              </a:ext>
+            </a:extLst>
+          </p:cNvPr>
+          <p:cNvSpPr>
+            <a:spLocks noGrp="1"/>
+          </p:cNvSpPr>
+          <p:nvPr>
+            <p:ph type="body" idx="1"/>
+          </p:nvPr>
+        </p:nvSpPr>
+        <p:spPr/>
+        <p:txBody>
+          <a:bodyPr/>
+          <a:lstStyle/>
+          <a:p>
+            <a:endParaRPr lang="en-US"/>
+          </a:p>
+        </p:txBody>
+      </p:sp>
+      <p:sp>
+        <p:nvSpPr>
+          <p:cNvPr id="4" name="Slide Number Placeholder 3">
+            <a:extLst>
+              <a:ext uri="{FF2B5EF4-FFF2-40B4-BE49-F238E27FC236}">
+                <a16:creationId xmlns:a16="http://schemas.microsoft.com/office/drawing/2014/main" id="{4D75BEFD-D893-D807-5727-60B61D804458}"/>
+              </a:ext>
+            </a:extLst>
+          </p:cNvPr>
+          <p:cNvSpPr>
+            <a:spLocks noGrp="1"/>
+          </p:cNvSpPr>
+          <p:nvPr>
+            <p:ph type="sldNum" idx="12"/>
+          </p:nvPr>
+        </p:nvSpPr>
+        <p:spPr/>
+        <p:txBody>
+          <a:bodyPr/>
+          <a:lstStyle/>
+          <a:p>
+            <a:pPr marL="0" lvl="0" indent="0" algn="r" rtl="0">
+              <a:spcBef>
+                <a:spcPts val="0"/>
+              </a:spcBef>
+              <a:spcAft>
+                <a:spcPts val="0"/>
+              </a:spcAft>
+              <a:buNone/>
+            </a:pPr>
+            <a:fld id="{00000000-1234-1234-1234-123412341234}" type="slidenum">
+              <a:rPr lang="en-US" smtClean="0"/>
+              <a:t>15</a:t>
+            </a:fld>
+            <a:endParaRPr lang="en-US"/>
+          </a:p>
+        </p:txBody>
+      </p:sp>
+    </p:spTree>
+    <p:extLst>
+      <p:ext uri="{BB962C8B-B14F-4D97-AF65-F5344CB8AC3E}">
+        <p14:creationId xmlns:p14="http://schemas.microsoft.com/office/powerpoint/2010/main" val="2863414902"/>
+      </p:ext>
+    </p:extLst>
+  </p:cSld>
+  <p:clrMapOvr>
+    <a:masterClrMapping/>
+  </p:clrMapOvr>
+</p:sld>
+</file>
+
 <file path=ppt/slides/slide16.xml><?xml version="1.0" encoding="utf-8"?>
 <p:sld xmlns:a="http://schemas.openxmlformats.org/drawingml/2006/main" xmlns:r="http://schemas.openxmlformats.org/officeDocument/2006/relationships" xmlns:p="http://schemas.openxmlformats.org/presentationml/2006/main">
   <p:cSld>
@@ -32219,11 +32025,18 @@
           <a:p>
             <a:pPr algn="l"/>
             <a:r>
+              <a:rPr lang="en-US" b="1" dirty="0">
+                <a:latin typeface="Times New Roman" panose="02020603050405020304" pitchFamily="18" charset="0"/>
+                <a:cs typeface="Times New Roman" panose="02020603050405020304" pitchFamily="18" charset="0"/>
+              </a:rPr>
+              <a:t>Schedule</a:t>
+            </a:r>
+            <a:r>
               <a:rPr lang="en-US" dirty="0">
                 <a:latin typeface="Times New Roman" panose="02020603050405020304" pitchFamily="18" charset="0"/>
                 <a:cs typeface="Times New Roman" panose="02020603050405020304" pitchFamily="18" charset="0"/>
               </a:rPr>
-              <a:t>Schedule </a:t>
+              <a:t> </a:t>
             </a:r>
           </a:p>
         </p:txBody>
@@ -32308,7 +32121,7 @@
         <p:spPr>
           <a:xfrm>
             <a:off x="3890514" y="5825848"/>
-            <a:ext cx="1524000" cy="267253"/>
+            <a:ext cx="2917692" cy="267253"/>
           </a:xfrm>
           <a:prstGeom prst="rect">
             <a:avLst/>
@@ -32341,7 +32154,7 @@
                 <a:ea typeface="Times New Roman" panose="02020603050405020304" pitchFamily="18" charset="0"/>
                 <a:cs typeface="Times New Roman" panose="02020603050405020304" pitchFamily="18" charset="0"/>
               </a:rPr>
-              <a:t>Figure</a:t>
+              <a:t>Figure 1.5</a:t>
             </a:r>
             <a:r>
               <a:rPr lang="en-US" sz="1100" i="1" kern="100" dirty="0">
@@ -32373,6 +32186,118 @@
               <a:effectLst/>
               <a:latin typeface="Aptos" panose="020B0004020202020204" pitchFamily="34" charset="0"/>
               <a:ea typeface="Times New Roman" panose="02020603050405020304" pitchFamily="18" charset="0"/>
+              <a:cs typeface="Times New Roman" panose="02020603050405020304" pitchFamily="18" charset="0"/>
+            </a:endParaRPr>
+          </a:p>
+        </p:txBody>
+      </p:sp>
+    </p:spTree>
+  </p:cSld>
+  <p:clrMapOvr>
+    <a:masterClrMapping/>
+  </p:clrMapOvr>
+</p:sld>
+</file>
+
+<file path=ppt/slides/slide17.xml><?xml version="1.0" encoding="utf-8"?>
+<p:sld xmlns:a="http://schemas.openxmlformats.org/drawingml/2006/main" xmlns:r="http://schemas.openxmlformats.org/officeDocument/2006/relationships" xmlns:p="http://schemas.openxmlformats.org/presentationml/2006/main">
+  <p:cSld>
+    <p:spTree>
+      <p:nvGrpSpPr>
+        <p:cNvPr id="1" name=""/>
+        <p:cNvGrpSpPr/>
+        <p:nvPr/>
+      </p:nvGrpSpPr>
+      <p:grpSpPr>
+        <a:xfrm>
+          <a:off x="0" y="0"/>
+          <a:ext cx="0" cy="0"/>
+          <a:chOff x="0" y="0"/>
+          <a:chExt cx="0" cy="0"/>
+        </a:xfrm>
+      </p:grpSpPr>
+      <p:sp>
+        <p:nvSpPr>
+          <p:cNvPr id="2" name="Title 1"/>
+          <p:cNvSpPr>
+            <a:spLocks noGrp="1"/>
+          </p:cNvSpPr>
+          <p:nvPr>
+            <p:ph type="title"/>
+          </p:nvPr>
+        </p:nvSpPr>
+        <p:spPr/>
+        <p:txBody>
+          <a:bodyPr/>
+          <a:lstStyle/>
+          <a:p>
+            <a:pPr algn="l"/>
+            <a:r>
+              <a:rPr lang="en-US" b="1" dirty="0">
+                <a:latin typeface="Times New Roman" panose="02020603050405020304" pitchFamily="18" charset="0"/>
+                <a:cs typeface="Times New Roman" panose="02020603050405020304" pitchFamily="18" charset="0"/>
+              </a:rPr>
+              <a:t>Conclusion</a:t>
+            </a:r>
+          </a:p>
+        </p:txBody>
+      </p:sp>
+      <p:sp>
+        <p:nvSpPr>
+          <p:cNvPr id="3" name="Content Placeholder 2"/>
+          <p:cNvSpPr>
+            <a:spLocks noGrp="1"/>
+          </p:cNvSpPr>
+          <p:nvPr>
+            <p:ph idx="1"/>
+          </p:nvPr>
+        </p:nvSpPr>
+        <p:spPr/>
+        <p:txBody>
+          <a:bodyPr/>
+          <a:lstStyle/>
+          <a:p>
+            <a:r>
+              <a:rPr lang="en-US" dirty="0">
+                <a:latin typeface="Times New Roman" panose="02020603050405020304" pitchFamily="18" charset="0"/>
+                <a:cs typeface="Times New Roman" panose="02020603050405020304" pitchFamily="18" charset="0"/>
+              </a:rPr>
+              <a:t>AI-Assisted LMS aims to improve educational outcomes by reducing teacher workload, offering personalized learning, and utilizing data-driven insights.</a:t>
+            </a:r>
+          </a:p>
+          <a:p>
+            <a:endParaRPr lang="en-US" dirty="0">
+              <a:latin typeface="Times New Roman" panose="02020603050405020304" pitchFamily="18" charset="0"/>
+              <a:cs typeface="Times New Roman" panose="02020603050405020304" pitchFamily="18" charset="0"/>
+            </a:endParaRPr>
+          </a:p>
+        </p:txBody>
+      </p:sp>
+      <p:sp>
+        <p:nvSpPr>
+          <p:cNvPr id="4" name="Slide Number Placeholder 3"/>
+          <p:cNvSpPr>
+            <a:spLocks noGrp="1"/>
+          </p:cNvSpPr>
+          <p:nvPr>
+            <p:ph type="sldNum" sz="quarter" idx="12"/>
+          </p:nvPr>
+        </p:nvSpPr>
+        <p:spPr/>
+        <p:txBody>
+          <a:bodyPr/>
+          <a:lstStyle/>
+          <a:p>
+            <a:fld id="{DC2A8C5E-5ACC-4DAB-B41C-5718F8C58B6D}" type="slidenum">
+              <a:rPr lang="en-US" smtClean="0">
+                <a:latin typeface="Times New Roman" panose="02020603050405020304" pitchFamily="18" charset="0"/>
+                <a:cs typeface="Times New Roman" panose="02020603050405020304" pitchFamily="18" charset="0"/>
+              </a:rPr>
+              <a:pPr/>
+              <a:t>17</a:t>
+            </a:fld>
+            <a:endParaRPr lang="en-US">
+              <a:latin typeface="Times New Roman" panose="02020603050405020304" pitchFamily="18" charset="0"/>
               <a:cs typeface="Times New Roman" panose="02020603050405020304" pitchFamily="18" charset="0"/>
             </a:endParaRPr>
           </a:p>
@@ -32420,7 +32345,7 @@
           <a:p>
             <a:pPr algn="l"/>
             <a:r>
-              <a:rPr lang="en-US" dirty="0">
+              <a:rPr lang="en-US" b="1" dirty="0">
                 <a:latin typeface="Times New Roman" panose="02020603050405020304" pitchFamily="18" charset="0"/>
                 <a:cs typeface="Times New Roman" panose="02020603050405020304" pitchFamily="18" charset="0"/>
               </a:rPr>
@@ -32502,15 +32427,6 @@
                 <a:cs typeface="Times New Roman" panose="02020603050405020304" pitchFamily="18" charset="0"/>
               </a:rPr>
               <a:t>ER Diagram</a:t>
-            </a:r>
-          </a:p>
-          <a:p>
-            <a:r>
-              <a:rPr lang="en-US" sz="2400" dirty="0">
-                <a:latin typeface="Times New Roman" panose="02020603050405020304" pitchFamily="18" charset="0"/>
-                <a:cs typeface="Times New Roman" panose="02020603050405020304" pitchFamily="18" charset="0"/>
-              </a:rPr>
-              <a:t>DFD (Structural)</a:t>
             </a:r>
           </a:p>
           <a:p>
@@ -32761,7 +32677,7 @@
           <a:p>
             <a:pPr algn="l"/>
             <a:r>
-              <a:rPr lang="en-US" dirty="0">
+              <a:rPr lang="en-US" b="1" dirty="0">
                 <a:latin typeface="Times New Roman" panose="02020603050405020304" pitchFamily="18" charset="0"/>
                 <a:cs typeface="Times New Roman" panose="02020603050405020304" pitchFamily="18" charset="0"/>
               </a:rPr>
@@ -32878,7 +32794,7 @@
           <a:p>
             <a:pPr algn="l"/>
             <a:r>
-              <a:rPr lang="en-US" dirty="0">
+              <a:rPr lang="en-US" b="1" dirty="0">
                 <a:latin typeface="Times New Roman" panose="02020603050405020304" pitchFamily="18" charset="0"/>
                 <a:cs typeface="Times New Roman" panose="02020603050405020304" pitchFamily="18" charset="0"/>
               </a:rPr>
@@ -32900,7 +32816,7 @@
         <p:spPr/>
         <p:txBody>
           <a:bodyPr>
-            <a:normAutofit lnSpcReduction="10000"/>
+            <a:normAutofit fontScale="92500"/>
           </a:bodyPr>
           <a:lstStyle/>
           <a:p>
@@ -32921,7 +32837,7 @@
                 <a:latin typeface="Times New Roman" panose="02020603050405020304" pitchFamily="18" charset="0"/>
                 <a:cs typeface="Times New Roman" panose="02020603050405020304" pitchFamily="18" charset="0"/>
               </a:rPr>
-              <a:t>CG-01: Teachers can auto-generate lectures by inputting objectives, topics, and references.</a:t>
+              <a:t>FR-CG-01: Teachers can auto-generate lectures by inputting objectives, topics, and references.</a:t>
             </a:r>
           </a:p>
           <a:p>
@@ -32930,7 +32846,7 @@
                 <a:latin typeface="Times New Roman" panose="02020603050405020304" pitchFamily="18" charset="0"/>
                 <a:cs typeface="Times New Roman" panose="02020603050405020304" pitchFamily="18" charset="0"/>
               </a:rPr>
-              <a:t>CG-02: Teachers can edit and refine AI-generated content.</a:t>
+              <a:t>FR-CG-02: Teachers can edit and refine AI-generated content.</a:t>
             </a:r>
           </a:p>
           <a:p>
@@ -32939,7 +32855,7 @@
                 <a:latin typeface="Times New Roman" panose="02020603050405020304" pitchFamily="18" charset="0"/>
                 <a:cs typeface="Times New Roman" panose="02020603050405020304" pitchFamily="18" charset="0"/>
               </a:rPr>
-              <a:t>CG-03: Flexible options to save lectures as drafts or publish them for student access.</a:t>
+              <a:t>FR-CG-03: Flexible options to save lectures as drafts or publish them for student access.</a:t>
             </a:r>
           </a:p>
           <a:p>
@@ -33519,7 +33435,7 @@
           <a:p>
             <a:pPr algn="l"/>
             <a:r>
-              <a:rPr lang="en-US" dirty="0">
+              <a:rPr lang="en-US" b="1" dirty="0">
                 <a:latin typeface="Times New Roman" panose="02020603050405020304" pitchFamily="18" charset="0"/>
                 <a:cs typeface="Times New Roman" panose="02020603050405020304" pitchFamily="18" charset="0"/>
               </a:rPr>
@@ -33955,7 +33871,7 @@
           <a:p>
             <a:pPr algn="l"/>
             <a:r>
-              <a:rPr lang="en-US" dirty="0">
+              <a:rPr lang="en-US" b="1" dirty="0">
                 <a:latin typeface="Times New Roman" panose="02020603050405020304" pitchFamily="18" charset="0"/>
                 <a:cs typeface="Times New Roman" panose="02020603050405020304" pitchFamily="18" charset="0"/>
               </a:rPr>
@@ -34054,14 +33970,19 @@
             <p:ph type="title"/>
           </p:nvPr>
         </p:nvSpPr>
-        <p:spPr/>
+        <p:spPr>
+          <a:xfrm>
+            <a:off x="1997796" y="9053"/>
+            <a:ext cx="4676872" cy="1143000"/>
+          </a:xfrm>
+        </p:spPr>
         <p:txBody>
           <a:bodyPr/>
           <a:lstStyle/>
           <a:p>
             <a:pPr algn="l"/>
             <a:r>
-              <a:rPr lang="en-US" dirty="0">
+              <a:rPr lang="en-US" b="1" dirty="0">
                 <a:latin typeface="Times New Roman" panose="02020603050405020304" pitchFamily="18" charset="0"/>
                 <a:cs typeface="Times New Roman" panose="02020603050405020304" pitchFamily="18" charset="0"/>
               </a:rPr>
@@ -34148,7 +34069,7 @@
                 <a:ea typeface="Times New Roman" panose="02020603050405020304" pitchFamily="18" charset="0"/>
                 <a:cs typeface="Times New Roman" panose="02020603050405020304" pitchFamily="18" charset="0"/>
               </a:rPr>
-              <a:t>Figure: Use case Diagram(T</a:t>
+              <a:t>Figure 1.1: Use case Diagram (T</a:t>
             </a:r>
             <a:r>
               <a:rPr lang="en-US" sz="1100" i="1" kern="100" dirty="0">
@@ -34167,37 +34088,31 @@
       </p:sp>
       <p:pic>
         <p:nvPicPr>
-          <p:cNvPr id="8" name="Content Placeholder 7" descr="A diagram of a network&#10;&#10;Description automatically generated with medium confidence">
+          <p:cNvPr id="9" name="Picture 8" descr="A black and white diagram&#10;&#10;AI-generated content may be incorrect.">
             <a:extLst>
               <a:ext uri="{FF2B5EF4-FFF2-40B4-BE49-F238E27FC236}">
-                <a16:creationId xmlns:a16="http://schemas.microsoft.com/office/drawing/2014/main" id="{63D0E28D-701B-E0FC-2871-7007FAFF2FFE}"/>
+                <a16:creationId xmlns:a16="http://schemas.microsoft.com/office/drawing/2014/main" id="{C7AF0926-6F53-BBE2-5E34-5773A8553A47}"/>
               </a:ext>
             </a:extLst>
           </p:cNvPr>
           <p:cNvPicPr>
-            <a:picLocks noGrp="1" noChangeAspect="1"/>
+            <a:picLocks noChangeAspect="1"/>
           </p:cNvPicPr>
-          <p:nvPr>
-            <p:ph idx="1"/>
-          </p:nvPr>
+          <p:nvPr/>
         </p:nvPicPr>
         <p:blipFill>
-          <a:blip r:embed="rId2" cstate="print">
-            <a:extLst>
-              <a:ext uri="{28A0092B-C50C-407E-A947-70E740481C1C}">
-                <a14:useLocalDpi xmlns:a14="http://schemas.microsoft.com/office/drawing/2010/main" val="0"/>
-              </a:ext>
-            </a:extLst>
-          </a:blip>
-          <a:stretch>
-            <a:fillRect/>
-          </a:stretch>
+          <a:blip r:embed="rId2"/>
+          <a:srcRect r="-385" b="871"/>
+          <a:stretch/>
         </p:blipFill>
         <p:spPr>
           <a:xfrm>
-            <a:off x="1534575" y="1316799"/>
-            <a:ext cx="6085425" cy="5039551"/>
+            <a:off x="2233563" y="862526"/>
+            <a:ext cx="4221557" cy="5710290"/>
           </a:xfrm>
+          <a:prstGeom prst="rect">
+            <a:avLst/>
+          </a:prstGeom>
         </p:spPr>
       </p:pic>
     </p:spTree>
@@ -34205,89 +34120,6 @@
   <p:clrMapOvr>
     <a:masterClrMapping/>
   </p:clrMapOvr>
-  <p:timing>
-    <p:tnLst>
-      <p:par>
-        <p:cTn id="1" dur="indefinite" restart="never" nodeType="tmRoot">
-          <p:childTnLst>
-            <p:seq concurrent="1" nextAc="seek">
-              <p:cTn id="2" dur="indefinite" nodeType="mainSeq">
-                <p:childTnLst>
-                  <p:par>
-                    <p:cTn id="3" fill="hold">
-                      <p:stCondLst>
-                        <p:cond delay="indefinite"/>
-                      </p:stCondLst>
-                      <p:childTnLst>
-                        <p:par>
-                          <p:cTn id="4" fill="hold">
-                            <p:stCondLst>
-                              <p:cond delay="0"/>
-                            </p:stCondLst>
-                            <p:childTnLst>
-                              <p:par>
-                                <p:cTn id="5" presetID="16" presetClass="entr" presetSubtype="21" fill="hold" nodeType="clickEffect">
-                                  <p:stCondLst>
-                                    <p:cond delay="0"/>
-                                  </p:stCondLst>
-                                  <p:childTnLst>
-                                    <p:set>
-                                      <p:cBhvr>
-                                        <p:cTn id="6" dur="1" fill="hold">
-                                          <p:stCondLst>
-                                            <p:cond delay="0"/>
-                                          </p:stCondLst>
-                                        </p:cTn>
-                                        <p:tgtEl>
-                                          <p:spTgt spid="8"/>
-                                        </p:tgtEl>
-                                        <p:attrNameLst>
-                                          <p:attrName>style.visibility</p:attrName>
-                                        </p:attrNameLst>
-                                      </p:cBhvr>
-                                      <p:to>
-                                        <p:strVal val="visible"/>
-                                      </p:to>
-                                    </p:set>
-                                    <p:animEffect transition="in" filter="barn(inVertical)">
-                                      <p:cBhvr>
-                                        <p:cTn id="7" dur="500"/>
-                                        <p:tgtEl>
-                                          <p:spTgt spid="8"/>
-                                        </p:tgtEl>
-                                      </p:cBhvr>
-                                    </p:animEffect>
-                                  </p:childTnLst>
-                                </p:cTn>
-                              </p:par>
-                            </p:childTnLst>
-                          </p:cTn>
-                        </p:par>
-                      </p:childTnLst>
-                    </p:cTn>
-                  </p:par>
-                </p:childTnLst>
-              </p:cTn>
-              <p:prevCondLst>
-                <p:cond evt="onPrev" delay="0">
-                  <p:tgtEl>
-                    <p:sldTgt/>
-                  </p:tgtEl>
-                </p:cond>
-              </p:prevCondLst>
-              <p:nextCondLst>
-                <p:cond evt="onNext" delay="0">
-                  <p:tgtEl>
-                    <p:sldTgt/>
-                  </p:tgtEl>
-                </p:cond>
-              </p:nextCondLst>
-            </p:seq>
-          </p:childTnLst>
-        </p:cTn>
-      </p:par>
-    </p:tnLst>
-  </p:timing>
 </p:sld>
 </file>
 
@@ -34308,6 +34140,36 @@
           <a:chExt cx="0" cy="0"/>
         </a:xfrm>
       </p:grpSpPr>
+      <p:pic>
+        <p:nvPicPr>
+          <p:cNvPr id="5" name="Picture 4" descr="A diagram of a flowchart&#10;&#10;AI-generated content may be incorrect.">
+            <a:extLst>
+              <a:ext uri="{FF2B5EF4-FFF2-40B4-BE49-F238E27FC236}">
+                <a16:creationId xmlns:a16="http://schemas.microsoft.com/office/drawing/2014/main" id="{4A6DBC48-A9D4-1858-EEE3-DD05B8F6393F}"/>
+              </a:ext>
+            </a:extLst>
+          </p:cNvPr>
+          <p:cNvPicPr>
+            <a:picLocks noChangeAspect="1"/>
+          </p:cNvPicPr>
+          <p:nvPr/>
+        </p:nvPicPr>
+        <p:blipFill>
+          <a:blip r:embed="rId2"/>
+          <a:stretch>
+            <a:fillRect/>
+          </a:stretch>
+        </p:blipFill>
+        <p:spPr>
+          <a:xfrm>
+            <a:off x="1608683" y="851026"/>
+            <a:ext cx="6398568" cy="6006974"/>
+          </a:xfrm>
+          <a:prstGeom prst="rect">
+            <a:avLst/>
+          </a:prstGeom>
+        </p:spPr>
+      </p:pic>
       <p:sp>
         <p:nvSpPr>
           <p:cNvPr id="2" name="Title 1"/>
@@ -34318,14 +34180,18 @@
             <p:ph type="title"/>
           </p:nvPr>
         </p:nvSpPr>
-        <p:spPr/>
+        <p:spPr>
+          <a:xfrm>
+            <a:off x="457200" y="130318"/>
+            <a:ext cx="8229600" cy="853289"/>
+          </a:xfrm>
+        </p:spPr>
         <p:txBody>
           <a:bodyPr/>
           <a:lstStyle/>
           <a:p>
-            <a:pPr algn="l"/>
             <a:r>
-              <a:rPr lang="en-US" dirty="0">
+              <a:rPr lang="en-US" b="1" dirty="0">
                 <a:latin typeface="Times New Roman" panose="02020603050405020304" pitchFamily="18" charset="0"/>
                 <a:cs typeface="Times New Roman" panose="02020603050405020304" pitchFamily="18" charset="0"/>
               </a:rPr>
@@ -34334,41 +34200,6 @@
           </a:p>
         </p:txBody>
       </p:sp>
-      <p:pic>
-        <p:nvPicPr>
-          <p:cNvPr id="6" name="Content Placeholder 5" descr="A diagram of a computer flowchart&#10;&#10;Description automatically generated">
-            <a:extLst>
-              <a:ext uri="{FF2B5EF4-FFF2-40B4-BE49-F238E27FC236}">
-                <a16:creationId xmlns:a16="http://schemas.microsoft.com/office/drawing/2014/main" id="{E6D35318-4851-6064-19F3-0D3F07FA1B7D}"/>
-              </a:ext>
-            </a:extLst>
-          </p:cNvPr>
-          <p:cNvPicPr>
-            <a:picLocks noGrp="1" noChangeAspect="1"/>
-          </p:cNvPicPr>
-          <p:nvPr>
-            <p:ph idx="1"/>
-          </p:nvPr>
-        </p:nvPicPr>
-        <p:blipFill>
-          <a:blip r:embed="rId2" cstate="print">
-            <a:extLst>
-              <a:ext uri="{28A0092B-C50C-407E-A947-70E740481C1C}">
-                <a14:useLocalDpi xmlns:a14="http://schemas.microsoft.com/office/drawing/2010/main" val="0"/>
-              </a:ext>
-            </a:extLst>
-          </a:blip>
-          <a:stretch>
-            <a:fillRect/>
-          </a:stretch>
-        </p:blipFill>
-        <p:spPr>
-          <a:xfrm>
-            <a:off x="1066800" y="1267217"/>
-            <a:ext cx="7293881" cy="5107994"/>
-          </a:xfrm>
-        </p:spPr>
-      </p:pic>
       <p:sp>
         <p:nvSpPr>
           <p:cNvPr id="4" name="Slide Number Placeholder 3"/>
@@ -34407,8 +34238,8 @@
         </p:nvSpPr>
         <p:spPr>
           <a:xfrm>
-            <a:off x="3733800" y="6414716"/>
-            <a:ext cx="1676400" cy="267253"/>
+            <a:off x="6042433" y="5595117"/>
+            <a:ext cx="3101567" cy="267253"/>
           </a:xfrm>
           <a:prstGeom prst="rect">
             <a:avLst/>
@@ -34441,7 +34272,29 @@
                 <a:ea typeface="Times New Roman" panose="02020603050405020304" pitchFamily="18" charset="0"/>
                 <a:cs typeface="Times New Roman" panose="02020603050405020304" pitchFamily="18" charset="0"/>
               </a:rPr>
-              <a:t>Figure: Class Diagram</a:t>
+              <a:t>Figure 1.2: Class Diagram (Tool: </a:t>
+            </a:r>
+            <a:r>
+              <a:rPr lang="en-US" sz="1100" i="1" kern="100" dirty="0" err="1">
+                <a:solidFill>
+                  <a:srgbClr val="0F4761"/>
+                </a:solidFill>
+                <a:latin typeface="Aptos" panose="020B0004020202020204" pitchFamily="34" charset="0"/>
+                <a:ea typeface="Times New Roman" panose="02020603050405020304" pitchFamily="18" charset="0"/>
+                <a:cs typeface="Times New Roman" panose="02020603050405020304" pitchFamily="18" charset="0"/>
+              </a:rPr>
+              <a:t>Drawio</a:t>
+            </a:r>
+            <a:r>
+              <a:rPr lang="en-US" sz="1100" i="1" kern="100" dirty="0">
+                <a:solidFill>
+                  <a:srgbClr val="0F4761"/>
+                </a:solidFill>
+                <a:latin typeface="Aptos" panose="020B0004020202020204" pitchFamily="34" charset="0"/>
+                <a:ea typeface="Times New Roman" panose="02020603050405020304" pitchFamily="18" charset="0"/>
+                <a:cs typeface="Times New Roman" panose="02020603050405020304" pitchFamily="18" charset="0"/>
+              </a:rPr>
+              <a:t>)</a:t>
             </a:r>
             <a:endParaRPr lang="en-US" sz="1100" i="1" kern="100" dirty="0">
               <a:solidFill>
@@ -34460,135 +34313,6 @@
   <p:clrMapOvr>
     <a:masterClrMapping/>
   </p:clrMapOvr>
-  <p:timing>
-    <p:tnLst>
-      <p:par>
-        <p:cTn id="1" dur="indefinite" restart="never" nodeType="tmRoot">
-          <p:childTnLst>
-            <p:seq concurrent="1" nextAc="seek">
-              <p:cTn id="2" dur="indefinite" nodeType="mainSeq">
-                <p:childTnLst>
-                  <p:par>
-                    <p:cTn id="3" fill="hold">
-                      <p:stCondLst>
-                        <p:cond delay="indefinite"/>
-                      </p:stCondLst>
-                      <p:childTnLst>
-                        <p:par>
-                          <p:cTn id="4" fill="hold">
-                            <p:stCondLst>
-                              <p:cond delay="0"/>
-                            </p:stCondLst>
-                            <p:childTnLst>
-                              <p:par>
-                                <p:cTn id="5" presetID="42" presetClass="entr" presetSubtype="0" fill="hold" nodeType="clickEffect">
-                                  <p:stCondLst>
-                                    <p:cond delay="0"/>
-                                  </p:stCondLst>
-                                  <p:childTnLst>
-                                    <p:set>
-                                      <p:cBhvr>
-                                        <p:cTn id="6" dur="1" fill="hold">
-                                          <p:stCondLst>
-                                            <p:cond delay="0"/>
-                                          </p:stCondLst>
-                                        </p:cTn>
-                                        <p:tgtEl>
-                                          <p:spTgt spid="6"/>
-                                        </p:tgtEl>
-                                        <p:attrNameLst>
-                                          <p:attrName>style.visibility</p:attrName>
-                                        </p:attrNameLst>
-                                      </p:cBhvr>
-                                      <p:to>
-                                        <p:strVal val="visible"/>
-                                      </p:to>
-                                    </p:set>
-                                    <p:animEffect transition="in" filter="fade">
-                                      <p:cBhvr>
-                                        <p:cTn id="7" dur="1000"/>
-                                        <p:tgtEl>
-                                          <p:spTgt spid="6"/>
-                                        </p:tgtEl>
-                                      </p:cBhvr>
-                                    </p:animEffect>
-                                    <p:anim calcmode="lin" valueType="num">
-                                      <p:cBhvr>
-                                        <p:cTn id="8" dur="1000" fill="hold"/>
-                                        <p:tgtEl>
-                                          <p:spTgt spid="6"/>
-                                        </p:tgtEl>
-                                        <p:attrNameLst>
-                                          <p:attrName>ppt_x</p:attrName>
-                                        </p:attrNameLst>
-                                      </p:cBhvr>
-                                      <p:tavLst>
-                                        <p:tav tm="0">
-                                          <p:val>
-                                            <p:strVal val="#ppt_x"/>
-                                          </p:val>
-                                        </p:tav>
-                                        <p:tav tm="100000">
-                                          <p:val>
-                                            <p:strVal val="#ppt_x"/>
-                                          </p:val>
-                                        </p:tav>
-                                      </p:tavLst>
-                                    </p:anim>
-                                    <p:anim calcmode="lin" valueType="num">
-                                      <p:cBhvr>
-                                        <p:cTn id="9" dur="1000" fill="hold"/>
-                                        <p:tgtEl>
-                                          <p:spTgt spid="6"/>
-                                        </p:tgtEl>
-                                        <p:attrNameLst>
-                                          <p:attrName>ppt_y</p:attrName>
-                                        </p:attrNameLst>
-                                      </p:cBhvr>
-                                      <p:tavLst>
-                                        <p:tav tm="0">
-                                          <p:val>
-                                            <p:strVal val="#ppt_y+.1"/>
-                                          </p:val>
-                                        </p:tav>
-                                        <p:tav tm="100000">
-                                          <p:val>
-                                            <p:strVal val="#ppt_y"/>
-                                          </p:val>
-                                        </p:tav>
-                                      </p:tavLst>
-                                    </p:anim>
-                                  </p:childTnLst>
-                                </p:cTn>
-                              </p:par>
-                            </p:childTnLst>
-                          </p:cTn>
-                        </p:par>
-                      </p:childTnLst>
-                    </p:cTn>
-                  </p:par>
-                </p:childTnLst>
-              </p:cTn>
-              <p:prevCondLst>
-                <p:cond evt="onPrev" delay="0">
-                  <p:tgtEl>
-                    <p:sldTgt/>
-                  </p:tgtEl>
-                </p:cond>
-              </p:prevCondLst>
-              <p:nextCondLst>
-                <p:cond evt="onNext" delay="0">
-                  <p:tgtEl>
-                    <p:sldTgt/>
-                  </p:tgtEl>
-                </p:cond>
-              </p:nextCondLst>
-            </p:seq>
-          </p:childTnLst>
-        </p:cTn>
-      </p:par>
-    </p:tnLst>
-  </p:timing>
 </p:sld>
 </file>
 

--- a/LMS_60%.pptx
+++ b/LMS_60%.pptx
@@ -5,7 +5,7 @@
     <p:sldMasterId id="2147483659" r:id="rId1"/>
   </p:sldMasterIdLst>
   <p:notesMasterIdLst>
-    <p:notesMasterId r:id="rId19"/>
+    <p:notesMasterId r:id="rId17"/>
   </p:notesMasterIdLst>
   <p:sldIdLst>
     <p:sldId id="273" r:id="rId2"/>
@@ -19,12 +19,10 @@
     <p:sldId id="290" r:id="rId10"/>
     <p:sldId id="264" r:id="rId11"/>
     <p:sldId id="267" r:id="rId12"/>
-    <p:sldId id="272" r:id="rId13"/>
-    <p:sldId id="270" r:id="rId14"/>
-    <p:sldId id="278" r:id="rId15"/>
-    <p:sldId id="291" r:id="rId16"/>
-    <p:sldId id="268" r:id="rId17"/>
-    <p:sldId id="269" r:id="rId18"/>
+    <p:sldId id="270" r:id="rId13"/>
+    <p:sldId id="278" r:id="rId14"/>
+    <p:sldId id="291" r:id="rId15"/>
+    <p:sldId id="269" r:id="rId16"/>
   </p:sldIdLst>
   <p:sldSz cx="9144000" cy="6858000" type="screen4x3"/>
   <p:notesSz cx="6858000" cy="9144000"/>
@@ -16363,110 +16361,6 @@
 </p:notes>
 </file>
 
-<file path=ppt/notesSlides/notesSlide3.xml><?xml version="1.0" encoding="utf-8"?>
-<p:notes xmlns:a="http://schemas.openxmlformats.org/drawingml/2006/main" xmlns:r="http://schemas.openxmlformats.org/officeDocument/2006/relationships" xmlns:p="http://schemas.openxmlformats.org/presentationml/2006/main" showMasterSp="0" showMasterPhAnim="0">
-  <p:cSld>
-    <p:spTree>
-      <p:nvGrpSpPr>
-        <p:cNvPr id="1" name="Shape 197"/>
-        <p:cNvGrpSpPr/>
-        <p:nvPr/>
-      </p:nvGrpSpPr>
-      <p:grpSpPr>
-        <a:xfrm>
-          <a:off x="0" y="0"/>
-          <a:ext cx="0" cy="0"/>
-          <a:chOff x="0" y="0"/>
-          <a:chExt cx="0" cy="0"/>
-        </a:xfrm>
-      </p:grpSpPr>
-      <p:sp>
-        <p:nvSpPr>
-          <p:cNvPr id="198" name="Google Shape;198;p17:notes"/>
-          <p:cNvSpPr txBox="1">
-            <a:spLocks noGrp="1"/>
-          </p:cNvSpPr>
-          <p:nvPr>
-            <p:ph type="body" idx="1"/>
-          </p:nvPr>
-        </p:nvSpPr>
-        <p:spPr>
-          <a:xfrm>
-            <a:off x="685800" y="4343400"/>
-            <a:ext cx="5486400" cy="4114800"/>
-          </a:xfrm>
-          <a:prstGeom prst="rect">
-            <a:avLst/>
-          </a:prstGeom>
-        </p:spPr>
-        <p:txBody>
-          <a:bodyPr spcFirstLastPara="1" wrap="square" lIns="91425" tIns="91425" rIns="91425" bIns="91425" anchor="t" anchorCtr="0">
-            <a:noAutofit/>
-          </a:bodyPr>
-          <a:lstStyle/>
-          <a:p>
-            <a:pPr marL="0" lvl="0" indent="0" algn="l" rtl="0">
-              <a:spcBef>
-                <a:spcPts val="0"/>
-              </a:spcBef>
-              <a:spcAft>
-                <a:spcPts val="0"/>
-              </a:spcAft>
-              <a:buNone/>
-            </a:pPr>
-            <a:endParaRPr/>
-          </a:p>
-        </p:txBody>
-      </p:sp>
-      <p:sp>
-        <p:nvSpPr>
-          <p:cNvPr id="199" name="Google Shape;199;p17:notes"/>
-          <p:cNvSpPr>
-            <a:spLocks noGrp="1" noRot="1" noChangeAspect="1"/>
-          </p:cNvSpPr>
-          <p:nvPr>
-            <p:ph type="sldImg" idx="2"/>
-          </p:nvPr>
-        </p:nvSpPr>
-        <p:spPr>
-          <a:xfrm>
-            <a:off x="1143000" y="685800"/>
-            <a:ext cx="4572000" cy="3429000"/>
-          </a:xfrm>
-          <a:custGeom>
-            <a:avLst/>
-            <a:gdLst/>
-            <a:ahLst/>
-            <a:cxnLst/>
-            <a:rect l="l" t="t" r="r" b="b"/>
-            <a:pathLst>
-              <a:path w="120000" h="120000" extrusionOk="0">
-                <a:moveTo>
-                  <a:pt x="0" y="0"/>
-                </a:moveTo>
-                <a:lnTo>
-                  <a:pt x="120000" y="0"/>
-                </a:lnTo>
-                <a:lnTo>
-                  <a:pt x="120000" y="120000"/>
-                </a:lnTo>
-                <a:lnTo>
-                  <a:pt x="0" y="120000"/>
-                </a:lnTo>
-                <a:close/>
-              </a:path>
-            </a:pathLst>
-          </a:custGeom>
-        </p:spPr>
-      </p:sp>
-    </p:spTree>
-  </p:cSld>
-  <p:clrMapOvr>
-    <a:masterClrMapping/>
-  </p:clrMapOvr>
-</p:notes>
-</file>
-
 <file path=ppt/slideLayouts/slideLayout1.xml><?xml version="1.0" encoding="utf-8"?>
 <p:sldLayout xmlns:a="http://schemas.openxmlformats.org/drawingml/2006/main" xmlns:r="http://schemas.openxmlformats.org/officeDocument/2006/relationships" xmlns:p="http://schemas.openxmlformats.org/presentationml/2006/main" matchingName="Title Slide" type="title">
   <p:cSld name="TITLE">
@@ -31295,178 +31189,6 @@
   <p:cSld>
     <p:spTree>
       <p:nvGrpSpPr>
-        <p:cNvPr id="1" name="Shape 200"/>
-        <p:cNvGrpSpPr/>
-        <p:nvPr/>
-      </p:nvGrpSpPr>
-      <p:grpSpPr>
-        <a:xfrm>
-          <a:off x="0" y="0"/>
-          <a:ext cx="0" cy="0"/>
-          <a:chOff x="0" y="0"/>
-          <a:chExt cx="0" cy="0"/>
-        </a:xfrm>
-      </p:grpSpPr>
-      <p:sp>
-        <p:nvSpPr>
-          <p:cNvPr id="201" name="Google Shape;201;p29"/>
-          <p:cNvSpPr txBox="1">
-            <a:spLocks noGrp="1"/>
-          </p:cNvSpPr>
-          <p:nvPr>
-            <p:ph type="sldNum" idx="12"/>
-          </p:nvPr>
-        </p:nvSpPr>
-        <p:spPr>
-          <a:xfrm>
-            <a:off x="6553200" y="6356350"/>
-            <a:ext cx="2133600" cy="365125"/>
-          </a:xfrm>
-          <a:prstGeom prst="rect">
-            <a:avLst/>
-          </a:prstGeom>
-          <a:noFill/>
-          <a:ln>
-            <a:noFill/>
-          </a:ln>
-        </p:spPr>
-        <p:txBody>
-          <a:bodyPr spcFirstLastPara="1" wrap="square" lIns="91425" tIns="45700" rIns="91425" bIns="45700" anchor="ctr" anchorCtr="0">
-            <a:noAutofit/>
-          </a:bodyPr>
-          <a:lstStyle/>
-          <a:p>
-            <a:pPr marL="0" marR="0" lvl="0" indent="0" algn="r" rtl="0">
-              <a:spcBef>
-                <a:spcPts val="0"/>
-              </a:spcBef>
-              <a:spcAft>
-                <a:spcPts val="0"/>
-              </a:spcAft>
-              <a:buNone/>
-            </a:pPr>
-            <a:fld id="{00000000-1234-1234-1234-123412341234}" type="slidenum">
-              <a:rPr lang="en-US" sz="1200" b="0" i="0" u="none" strike="noStrike" cap="none">
-                <a:solidFill>
-                  <a:srgbClr val="888888"/>
-                </a:solidFill>
-                <a:latin typeface="Calibri"/>
-                <a:ea typeface="Calibri"/>
-                <a:cs typeface="Calibri"/>
-                <a:sym typeface="Calibri"/>
-              </a:rPr>
-              <a:t>12</a:t>
-            </a:fld>
-            <a:endParaRPr sz="1200" b="0" i="0" u="none" strike="noStrike" cap="none">
-              <a:solidFill>
-                <a:srgbClr val="888888"/>
-              </a:solidFill>
-              <a:latin typeface="Calibri"/>
-              <a:ea typeface="Calibri"/>
-              <a:cs typeface="Calibri"/>
-              <a:sym typeface="Calibri"/>
-            </a:endParaRPr>
-          </a:p>
-        </p:txBody>
-      </p:sp>
-      <p:sp>
-        <p:nvSpPr>
-          <p:cNvPr id="202" name="Google Shape;202;p29"/>
-          <p:cNvSpPr txBox="1">
-            <a:spLocks noGrp="1"/>
-          </p:cNvSpPr>
-          <p:nvPr>
-            <p:ph type="title"/>
-          </p:nvPr>
-        </p:nvSpPr>
-        <p:spPr>
-          <a:xfrm>
-            <a:off x="443309" y="584527"/>
-            <a:ext cx="8167291" cy="1352915"/>
-          </a:xfrm>
-          <a:prstGeom prst="rect">
-            <a:avLst/>
-          </a:prstGeom>
-          <a:noFill/>
-          <a:ln>
-            <a:noFill/>
-          </a:ln>
-        </p:spPr>
-        <p:txBody>
-          <a:bodyPr spcFirstLastPara="1" wrap="square" lIns="91425" tIns="45700" rIns="91425" bIns="45700" anchor="ctr" anchorCtr="0">
-            <a:noAutofit/>
-          </a:bodyPr>
-          <a:lstStyle/>
-          <a:p>
-            <a:pPr marL="0" marR="0" lvl="0" indent="0" algn="ctr" rtl="0">
-              <a:lnSpc>
-                <a:spcPct val="100000"/>
-              </a:lnSpc>
-              <a:spcBef>
-                <a:spcPts val="0"/>
-              </a:spcBef>
-              <a:spcAft>
-                <a:spcPts val="0"/>
-              </a:spcAft>
-              <a:buClr>
-                <a:schemeClr val="dk1"/>
-              </a:buClr>
-              <a:buFont typeface="Calibri"/>
-              <a:buNone/>
-            </a:pPr>
-            <a:r>
-              <a:rPr lang="en-US" b="1" i="0" u="none" strike="noStrike" cap="none" dirty="0">
-                <a:solidFill>
-                  <a:schemeClr val="dk1"/>
-                </a:solidFill>
-                <a:latin typeface="Times New Roman" panose="02020603050405020304" pitchFamily="18" charset="0"/>
-                <a:cs typeface="Times New Roman" panose="02020603050405020304" pitchFamily="18" charset="0"/>
-                <a:sym typeface="Calibri"/>
-              </a:rPr>
-              <a:t>Summary of 6</a:t>
-            </a:r>
-            <a:r>
-              <a:rPr lang="en-US" b="1" dirty="0">
-                <a:latin typeface="Times New Roman" panose="02020603050405020304" pitchFamily="18" charset="0"/>
-                <a:cs typeface="Times New Roman" panose="02020603050405020304" pitchFamily="18" charset="0"/>
-              </a:rPr>
-              <a:t>0</a:t>
-            </a:r>
-            <a:r>
-              <a:rPr lang="en-US" b="1" i="0" u="none" strike="noStrike" cap="none" dirty="0">
-                <a:solidFill>
-                  <a:schemeClr val="dk1"/>
-                </a:solidFill>
-                <a:latin typeface="Times New Roman" panose="02020603050405020304" pitchFamily="18" charset="0"/>
-                <a:cs typeface="Times New Roman" panose="02020603050405020304" pitchFamily="18" charset="0"/>
-                <a:sym typeface="Calibri"/>
-              </a:rPr>
-              <a:t>% Project Implementation</a:t>
-            </a:r>
-            <a:endParaRPr b="1" i="0" u="none" strike="noStrike" cap="none" dirty="0">
-              <a:solidFill>
-                <a:schemeClr val="dk1"/>
-              </a:solidFill>
-              <a:latin typeface="Times New Roman" panose="02020603050405020304" pitchFamily="18" charset="0"/>
-              <a:cs typeface="Times New Roman" panose="02020603050405020304" pitchFamily="18" charset="0"/>
-              <a:sym typeface="Calibri"/>
-            </a:endParaRPr>
-          </a:p>
-        </p:txBody>
-      </p:sp>
-    </p:spTree>
-  </p:cSld>
-  <p:clrMapOvr>
-    <a:masterClrMapping/>
-  </p:clrMapOvr>
-</p:sld>
-</file>
-
-<file path=ppt/slides/slide13.xml><?xml version="1.0" encoding="utf-8"?>
-<p:sld xmlns:a="http://schemas.openxmlformats.org/drawingml/2006/main" xmlns:r="http://schemas.openxmlformats.org/officeDocument/2006/relationships" xmlns:p="http://schemas.openxmlformats.org/presentationml/2006/main">
-  <p:cSld>
-    <p:spTree>
-      <p:nvGrpSpPr>
         <p:cNvPr id="1" name=""/>
         <p:cNvGrpSpPr/>
         <p:nvPr/>
@@ -31539,7 +31261,7 @@
                 <a:cs typeface="Times New Roman" panose="02020603050405020304" pitchFamily="18" charset="0"/>
               </a:rPr>
               <a:pPr/>
-              <a:t>13</a:t>
+              <a:t>12</a:t>
             </a:fld>
             <a:endParaRPr lang="en-US">
               <a:latin typeface="Times New Roman" panose="02020603050405020304" pitchFamily="18" charset="0"/>
@@ -31725,7 +31447,7 @@
 </p:sld>
 </file>
 
-<file path=ppt/slides/slide14.xml><?xml version="1.0" encoding="utf-8"?>
+<file path=ppt/slides/slide13.xml><?xml version="1.0" encoding="utf-8"?>
 <p:sld xmlns:a="http://schemas.openxmlformats.org/drawingml/2006/main" xmlns:r="http://schemas.openxmlformats.org/officeDocument/2006/relationships" xmlns:p="http://schemas.openxmlformats.org/presentationml/2006/main">
   <p:cSld>
     <p:spTree>
@@ -31802,7 +31524,7 @@
                 <a:cs typeface="Times New Roman" panose="02020603050405020304" pitchFamily="18" charset="0"/>
               </a:rPr>
               <a:pPr/>
-              <a:t>14</a:t>
+              <a:t>13</a:t>
             </a:fld>
             <a:endParaRPr lang="en-US">
               <a:latin typeface="Times New Roman" panose="02020603050405020304" pitchFamily="18" charset="0"/>
@@ -31852,7 +31574,7 @@
 </p:sld>
 </file>
 
-<file path=ppt/slides/slide15.xml><?xml version="1.0" encoding="utf-8"?>
+<file path=ppt/slides/slide14.xml><?xml version="1.0" encoding="utf-8"?>
 <p:sld xmlns:a="http://schemas.openxmlformats.org/drawingml/2006/main" xmlns:r="http://schemas.openxmlformats.org/officeDocument/2006/relationships" xmlns:p="http://schemas.openxmlformats.org/presentationml/2006/main">
   <p:cSld>
     <p:spTree>
@@ -31972,7 +31694,7 @@
             </a:pPr>
             <a:fld id="{00000000-1234-1234-1234-123412341234}" type="slidenum">
               <a:rPr lang="en-US" smtClean="0"/>
-              <a:t>15</a:t>
+              <a:t>14</a:t>
             </a:fld>
             <a:endParaRPr lang="en-US"/>
           </a:p>
@@ -31991,215 +31713,7 @@
 </p:sld>
 </file>
 
-<file path=ppt/slides/slide16.xml><?xml version="1.0" encoding="utf-8"?>
-<p:sld xmlns:a="http://schemas.openxmlformats.org/drawingml/2006/main" xmlns:r="http://schemas.openxmlformats.org/officeDocument/2006/relationships" xmlns:p="http://schemas.openxmlformats.org/presentationml/2006/main">
-  <p:cSld>
-    <p:spTree>
-      <p:nvGrpSpPr>
-        <p:cNvPr id="1" name=""/>
-        <p:cNvGrpSpPr/>
-        <p:nvPr/>
-      </p:nvGrpSpPr>
-      <p:grpSpPr>
-        <a:xfrm>
-          <a:off x="0" y="0"/>
-          <a:ext cx="0" cy="0"/>
-          <a:chOff x="0" y="0"/>
-          <a:chExt cx="0" cy="0"/>
-        </a:xfrm>
-      </p:grpSpPr>
-      <p:sp>
-        <p:nvSpPr>
-          <p:cNvPr id="2" name="Title 1"/>
-          <p:cNvSpPr>
-            <a:spLocks noGrp="1"/>
-          </p:cNvSpPr>
-          <p:nvPr>
-            <p:ph type="title"/>
-          </p:nvPr>
-        </p:nvSpPr>
-        <p:spPr/>
-        <p:txBody>
-          <a:bodyPr/>
-          <a:lstStyle/>
-          <a:p>
-            <a:pPr algn="l"/>
-            <a:r>
-              <a:rPr lang="en-US" b="1" dirty="0">
-                <a:latin typeface="Times New Roman" panose="02020603050405020304" pitchFamily="18" charset="0"/>
-                <a:cs typeface="Times New Roman" panose="02020603050405020304" pitchFamily="18" charset="0"/>
-              </a:rPr>
-              <a:t>Schedule</a:t>
-            </a:r>
-            <a:r>
-              <a:rPr lang="en-US" dirty="0">
-                <a:latin typeface="Times New Roman" panose="02020603050405020304" pitchFamily="18" charset="0"/>
-                <a:cs typeface="Times New Roman" panose="02020603050405020304" pitchFamily="18" charset="0"/>
-              </a:rPr>
-              <a:t> </a:t>
-            </a:r>
-          </a:p>
-        </p:txBody>
-      </p:sp>
-      <p:sp>
-        <p:nvSpPr>
-          <p:cNvPr id="4" name="Slide Number Placeholder 3"/>
-          <p:cNvSpPr>
-            <a:spLocks noGrp="1"/>
-          </p:cNvSpPr>
-          <p:nvPr>
-            <p:ph type="sldNum" sz="quarter" idx="12"/>
-          </p:nvPr>
-        </p:nvSpPr>
-        <p:spPr/>
-        <p:txBody>
-          <a:bodyPr/>
-          <a:lstStyle/>
-          <a:p>
-            <a:fld id="{DC2A8C5E-5ACC-4DAB-B41C-5718F8C58B6D}" type="slidenum">
-              <a:rPr lang="en-US" smtClean="0">
-                <a:latin typeface="Times New Roman" panose="02020603050405020304" pitchFamily="18" charset="0"/>
-                <a:cs typeface="Times New Roman" panose="02020603050405020304" pitchFamily="18" charset="0"/>
-              </a:rPr>
-              <a:pPr/>
-              <a:t>16</a:t>
-            </a:fld>
-            <a:endParaRPr lang="en-US">
-              <a:latin typeface="Times New Roman" panose="02020603050405020304" pitchFamily="18" charset="0"/>
-              <a:cs typeface="Times New Roman" panose="02020603050405020304" pitchFamily="18" charset="0"/>
-            </a:endParaRPr>
-          </a:p>
-        </p:txBody>
-      </p:sp>
-      <p:pic>
-        <p:nvPicPr>
-          <p:cNvPr id="7" name="Content Placeholder 5" descr="A screenshot of a computer&#10;&#10;Description automatically generated">
-            <a:extLst>
-              <a:ext uri="{FF2B5EF4-FFF2-40B4-BE49-F238E27FC236}">
-                <a16:creationId xmlns:a16="http://schemas.microsoft.com/office/drawing/2014/main" id="{7894AAA5-9554-DC4A-77C8-5E63C36B869D}"/>
-              </a:ext>
-            </a:extLst>
-          </p:cNvPr>
-          <p:cNvPicPr>
-            <a:picLocks noChangeAspect="1"/>
-          </p:cNvPicPr>
-          <p:nvPr/>
-        </p:nvPicPr>
-        <p:blipFill>
-          <a:blip r:embed="rId2">
-            <a:extLst>
-              <a:ext uri="{28A0092B-C50C-407E-A947-70E740481C1C}">
-                <a14:useLocalDpi xmlns:a14="http://schemas.microsoft.com/office/drawing/2010/main" val="0"/>
-              </a:ext>
-            </a:extLst>
-          </a:blip>
-          <a:srcRect b="5357"/>
-          <a:stretch/>
-        </p:blipFill>
-        <p:spPr>
-          <a:xfrm>
-            <a:off x="304800" y="1524000"/>
-            <a:ext cx="8695428" cy="4038600"/>
-          </a:xfrm>
-          <a:prstGeom prst="rect">
-            <a:avLst/>
-          </a:prstGeom>
-        </p:spPr>
-      </p:pic>
-      <p:sp>
-        <p:nvSpPr>
-          <p:cNvPr id="3" name="TextBox 2">
-            <a:extLst>
-              <a:ext uri="{FF2B5EF4-FFF2-40B4-BE49-F238E27FC236}">
-                <a16:creationId xmlns:a16="http://schemas.microsoft.com/office/drawing/2014/main" id="{03568058-CD40-5BAF-A006-846711187E04}"/>
-              </a:ext>
-            </a:extLst>
-          </p:cNvPr>
-          <p:cNvSpPr txBox="1"/>
-          <p:nvPr/>
-        </p:nvSpPr>
-        <p:spPr>
-          <a:xfrm>
-            <a:off x="3890514" y="5825848"/>
-            <a:ext cx="2917692" cy="267253"/>
-          </a:xfrm>
-          <a:prstGeom prst="rect">
-            <a:avLst/>
-          </a:prstGeom>
-          <a:noFill/>
-        </p:spPr>
-        <p:txBody>
-          <a:bodyPr wrap="square">
-            <a:spAutoFit/>
-          </a:bodyPr>
-          <a:lstStyle/>
-          <a:p>
-            <a:pPr marL="0" marR="0">
-              <a:lnSpc>
-                <a:spcPct val="107000"/>
-              </a:lnSpc>
-              <a:spcBef>
-                <a:spcPts val="800"/>
-              </a:spcBef>
-              <a:spcAft>
-                <a:spcPts val="400"/>
-              </a:spcAft>
-            </a:pPr>
-            <a:r>
-              <a:rPr lang="en-US" sz="1100" i="1" kern="100" dirty="0">
-                <a:solidFill>
-                  <a:srgbClr val="0F4761"/>
-                </a:solidFill>
-                <a:latin typeface="Aptos" panose="020B0004020202020204" pitchFamily="34" charset="0"/>
-                <a:ea typeface="Times New Roman" panose="02020603050405020304" pitchFamily="18" charset="0"/>
-                <a:cs typeface="Times New Roman" panose="02020603050405020304" pitchFamily="18" charset="0"/>
-              </a:rPr>
-              <a:t>Figure 1.5</a:t>
-            </a:r>
-            <a:r>
-              <a:rPr lang="en-US" sz="1100" i="1" kern="100" dirty="0">
-                <a:solidFill>
-                  <a:srgbClr val="0F4761"/>
-                </a:solidFill>
-                <a:effectLst/>
-                <a:latin typeface="Aptos" panose="020B0004020202020204" pitchFamily="34" charset="0"/>
-                <a:ea typeface="Times New Roman" panose="02020603050405020304" pitchFamily="18" charset="0"/>
-                <a:cs typeface="Times New Roman" panose="02020603050405020304" pitchFamily="18" charset="0"/>
-              </a:rPr>
-              <a:t>:</a:t>
-            </a:r>
-            <a:r>
-              <a:rPr lang="en-US" sz="1100" i="1" kern="100" dirty="0">
-                <a:solidFill>
-                  <a:srgbClr val="0F4761"/>
-                </a:solidFill>
-                <a:latin typeface="Aptos" panose="020B0004020202020204" pitchFamily="34" charset="0"/>
-                <a:ea typeface="Times New Roman" panose="02020603050405020304" pitchFamily="18" charset="0"/>
-                <a:cs typeface="Times New Roman" panose="02020603050405020304" pitchFamily="18" charset="0"/>
-              </a:rPr>
-              <a:t> Gantt chart</a:t>
-            </a:r>
-            <a:endParaRPr lang="en-US" sz="1100" i="1" kern="100" dirty="0">
-              <a:solidFill>
-                <a:srgbClr val="0F4761"/>
-              </a:solidFill>
-              <a:effectLst/>
-              <a:latin typeface="Aptos" panose="020B0004020202020204" pitchFamily="34" charset="0"/>
-              <a:ea typeface="Times New Roman" panose="02020603050405020304" pitchFamily="18" charset="0"/>
-              <a:cs typeface="Times New Roman" panose="02020603050405020304" pitchFamily="18" charset="0"/>
-            </a:endParaRPr>
-          </a:p>
-        </p:txBody>
-      </p:sp>
-    </p:spTree>
-  </p:cSld>
-  <p:clrMapOvr>
-    <a:masterClrMapping/>
-  </p:clrMapOvr>
-</p:sld>
-</file>
-
-<file path=ppt/slides/slide17.xml><?xml version="1.0" encoding="utf-8"?>
+<file path=ppt/slides/slide15.xml><?xml version="1.0" encoding="utf-8"?>
 <p:sld xmlns:a="http://schemas.openxmlformats.org/drawingml/2006/main" xmlns:r="http://schemas.openxmlformats.org/officeDocument/2006/relationships" xmlns:p="http://schemas.openxmlformats.org/presentationml/2006/main">
   <p:cSld>
     <p:spTree>
@@ -32294,7 +31808,7 @@
                 <a:cs typeface="Times New Roman" panose="02020603050405020304" pitchFamily="18" charset="0"/>
               </a:rPr>
               <a:pPr/>
-              <a:t>17</a:t>
+              <a:t>15</a:t>
             </a:fld>
             <a:endParaRPr lang="en-US">
               <a:latin typeface="Times New Roman" panose="02020603050405020304" pitchFamily="18" charset="0"/>
